--- a/설계서4-10(이민철,민준호,정재훈).pptx
+++ b/설계서4-10(이민철,민준호,정재훈).pptx
@@ -5,10 +5,10 @@
     <p:sldMasterId id="2147483660" r:id="rId1"/>
   </p:sldMasterIdLst>
   <p:notesMasterIdLst>
-    <p:notesMasterId r:id="rId27"/>
+    <p:notesMasterId r:id="rId28"/>
   </p:notesMasterIdLst>
   <p:handoutMasterIdLst>
-    <p:handoutMasterId r:id="rId28"/>
+    <p:handoutMasterId r:id="rId29"/>
   </p:handoutMasterIdLst>
   <p:sldIdLst>
     <p:sldId id="257" r:id="rId2"/>
@@ -27,28 +27,29 @@
     <p:sldId id="316" r:id="rId15"/>
     <p:sldId id="317" r:id="rId16"/>
     <p:sldId id="318" r:id="rId17"/>
-    <p:sldId id="302" r:id="rId18"/>
-    <p:sldId id="289" r:id="rId19"/>
-    <p:sldId id="312" r:id="rId20"/>
-    <p:sldId id="308" r:id="rId21"/>
-    <p:sldId id="291" r:id="rId22"/>
-    <p:sldId id="269" r:id="rId23"/>
-    <p:sldId id="277" r:id="rId24"/>
-    <p:sldId id="292" r:id="rId25"/>
-    <p:sldId id="278" r:id="rId26"/>
+    <p:sldId id="323" r:id="rId18"/>
+    <p:sldId id="302" r:id="rId19"/>
+    <p:sldId id="289" r:id="rId20"/>
+    <p:sldId id="312" r:id="rId21"/>
+    <p:sldId id="308" r:id="rId22"/>
+    <p:sldId id="291" r:id="rId23"/>
+    <p:sldId id="269" r:id="rId24"/>
+    <p:sldId id="277" r:id="rId25"/>
+    <p:sldId id="292" r:id="rId26"/>
+    <p:sldId id="278" r:id="rId27"/>
   </p:sldIdLst>
   <p:sldSz cx="9144000" cy="6858000" type="screen4x3"/>
   <p:notesSz cx="6858000" cy="9945688"/>
   <p:embeddedFontLst>
     <p:embeddedFont>
       <p:font typeface="나눔고딕" panose="020B0600000101010101" charset="-127"/>
-      <p:regular r:id="rId29"/>
-      <p:bold r:id="rId30"/>
+      <p:regular r:id="rId30"/>
+      <p:bold r:id="rId31"/>
     </p:embeddedFont>
     <p:embeddedFont>
       <p:font typeface="맑은 고딕" panose="020B0503020000020004" pitchFamily="50" charset="-127"/>
-      <p:regular r:id="rId31"/>
-      <p:bold r:id="rId32"/>
+      <p:regular r:id="rId32"/>
+      <p:bold r:id="rId33"/>
     </p:embeddedFont>
   </p:embeddedFontLst>
   <p:defaultTextStyle>
@@ -167,6 +168,7 @@
             <p14:sldId id="316"/>
             <p14:sldId id="317"/>
             <p14:sldId id="318"/>
+            <p14:sldId id="323"/>
             <p14:sldId id="302"/>
             <p14:sldId id="289"/>
             <p14:sldId id="312"/>
@@ -365,7 +367,7 @@
             <a:fld id="{207F23D9-DF40-4811-9C78-A2E2A32398DD}" type="datetimeFigureOut">
               <a:rPr lang="ko-KR" altLang="en-US" smtClean="0"/>
               <a:pPr/>
-              <a:t>2018-03-19</a:t>
+              <a:t>2018-03-28</a:t>
             </a:fld>
             <a:endParaRPr lang="ko-KR" altLang="en-US"/>
           </a:p>
@@ -532,7 +534,7 @@
             <a:fld id="{F3AF6795-A612-454E-AF7A-9192B1BEBB13}" type="datetimeFigureOut">
               <a:rPr lang="ko-KR" altLang="en-US" smtClean="0"/>
               <a:pPr/>
-              <a:t>2018-03-19</a:t>
+              <a:t>2018-03-28</a:t>
             </a:fld>
             <a:endParaRPr lang="ko-KR" altLang="en-US"/>
           </a:p>
@@ -955,7 +957,7 @@
             <a:fld id="{A0A51D67-0C14-4576-BCC5-A508196B7BB5}" type="slidenum">
               <a:rPr lang="ko-KR" altLang="en-US" smtClean="0"/>
               <a:pPr/>
-              <a:t>20</a:t>
+              <a:t>21</a:t>
             </a:fld>
             <a:endParaRPr lang="ko-KR" altLang="en-US"/>
           </a:p>
@@ -1040,7 +1042,7 @@
             <a:fld id="{A0A51D67-0C14-4576-BCC5-A508196B7BB5}" type="slidenum">
               <a:rPr lang="ko-KR" altLang="en-US" smtClean="0"/>
               <a:pPr/>
-              <a:t>21</a:t>
+              <a:t>22</a:t>
             </a:fld>
             <a:endParaRPr lang="ko-KR" altLang="en-US"/>
           </a:p>
@@ -1125,7 +1127,7 @@
             <a:fld id="{A0A51D67-0C14-4576-BCC5-A508196B7BB5}" type="slidenum">
               <a:rPr lang="ko-KR" altLang="en-US" smtClean="0"/>
               <a:pPr/>
-              <a:t>24</a:t>
+              <a:t>25</a:t>
             </a:fld>
             <a:endParaRPr lang="ko-KR" altLang="en-US"/>
           </a:p>
@@ -1212,7 +1214,7 @@
             <a:fld id="{A0A51D67-0C14-4576-BCC5-A508196B7BB5}" type="slidenum">
               <a:rPr lang="ko-KR" altLang="en-US" smtClean="0"/>
               <a:pPr/>
-              <a:t>25</a:t>
+              <a:t>26</a:t>
             </a:fld>
             <a:endParaRPr lang="ko-KR" altLang="en-US"/>
           </a:p>
@@ -1807,7 +1809,7 @@
             <a:fld id="{A0A51D67-0C14-4576-BCC5-A508196B7BB5}" type="slidenum">
               <a:rPr lang="ko-KR" altLang="en-US" smtClean="0"/>
               <a:pPr/>
-              <a:t>18</a:t>
+              <a:t>19</a:t>
             </a:fld>
             <a:endParaRPr lang="ko-KR" altLang="en-US"/>
           </a:p>
@@ -1892,7 +1894,7 @@
             <a:fld id="{A0A51D67-0C14-4576-BCC5-A508196B7BB5}" type="slidenum">
               <a:rPr lang="ko-KR" altLang="en-US" smtClean="0"/>
               <a:pPr/>
-              <a:t>19</a:t>
+              <a:t>20</a:t>
             </a:fld>
             <a:endParaRPr lang="ko-KR" altLang="en-US"/>
           </a:p>
@@ -2411,7 +2413,7 @@
             <a:fld id="{8761FD00-3F21-42CF-9EF5-8F6D81CE3AFD}" type="datetimeFigureOut">
               <a:rPr lang="ko-KR" altLang="en-US" smtClean="0"/>
               <a:pPr/>
-              <a:t>2018-03-19</a:t>
+              <a:t>2018-03-28</a:t>
             </a:fld>
             <a:endParaRPr lang="ko-KR" altLang="en-US"/>
           </a:p>
@@ -3156,7 +3158,7 @@
             <a:fld id="{8761FD00-3F21-42CF-9EF5-8F6D81CE3AFD}" type="datetimeFigureOut">
               <a:rPr lang="ko-KR" altLang="en-US" smtClean="0"/>
               <a:pPr/>
-              <a:t>2018-03-19</a:t>
+              <a:t>2018-03-28</a:t>
             </a:fld>
             <a:endParaRPr lang="ko-KR" altLang="en-US"/>
           </a:p>
@@ -3468,7 +3470,7 @@
             <a:fld id="{8761FD00-3F21-42CF-9EF5-8F6D81CE3AFD}" type="datetimeFigureOut">
               <a:rPr lang="ko-KR" altLang="en-US" smtClean="0"/>
               <a:pPr/>
-              <a:t>2018-03-19</a:t>
+              <a:t>2018-03-28</a:t>
             </a:fld>
             <a:endParaRPr lang="ko-KR" altLang="en-US"/>
           </a:p>
@@ -3721,7 +3723,7 @@
             <a:fld id="{8761FD00-3F21-42CF-9EF5-8F6D81CE3AFD}" type="datetimeFigureOut">
               <a:rPr lang="ko-KR" altLang="en-US" smtClean="0"/>
               <a:pPr/>
-              <a:t>2018-03-19</a:t>
+              <a:t>2018-03-28</a:t>
             </a:fld>
             <a:endParaRPr lang="ko-KR" altLang="en-US"/>
           </a:p>
@@ -3945,7 +3947,7 @@
             <a:fld id="{8761FD00-3F21-42CF-9EF5-8F6D81CE3AFD}" type="datetimeFigureOut">
               <a:rPr lang="ko-KR" altLang="en-US" smtClean="0"/>
               <a:pPr/>
-              <a:t>2018-03-19</a:t>
+              <a:t>2018-03-28</a:t>
             </a:fld>
             <a:endParaRPr lang="ko-KR" altLang="en-US"/>
           </a:p>
@@ -4169,7 +4171,7 @@
             <a:fld id="{8761FD00-3F21-42CF-9EF5-8F6D81CE3AFD}" type="datetimeFigureOut">
               <a:rPr lang="ko-KR" altLang="en-US" smtClean="0"/>
               <a:pPr/>
-              <a:t>2018-03-19</a:t>
+              <a:t>2018-03-28</a:t>
             </a:fld>
             <a:endParaRPr lang="ko-KR" altLang="en-US"/>
           </a:p>
@@ -5146,7 +5148,7 @@
                 <a:latin typeface="나눔고딕" pitchFamily="50" charset="-127"/>
                 <a:ea typeface="나눔고딕" pitchFamily="50" charset="-127"/>
               </a:rPr>
-              <a:t> / 25</a:t>
+              <a:t> / 26</a:t>
             </a:r>
           </a:p>
         </p:txBody>
@@ -5829,7 +5831,7 @@
                 <a:latin typeface="나눔고딕" pitchFamily="50" charset="-127"/>
                 <a:ea typeface="나눔고딕" pitchFamily="50" charset="-127"/>
               </a:rPr>
-              <a:t> / 25</a:t>
+              <a:t> / 26</a:t>
             </a:r>
           </a:p>
         </p:txBody>
@@ -5887,8 +5889,8 @@
         </p:nvSpPr>
         <p:spPr>
           <a:xfrm>
-            <a:off x="413817" y="1701156"/>
-            <a:ext cx="3971926" cy="495776"/>
+            <a:off x="279079" y="1589113"/>
+            <a:ext cx="2006921" cy="495776"/>
           </a:xfrm>
         </p:spPr>
         <p:txBody>
@@ -5898,13 +5900,6 @@
           <a:lstStyle/>
           <a:p>
             <a:pPr algn="l"/>
-            <a:r>
-              <a:rPr lang="en-US" altLang="ko-KR" sz="2700" dirty="0">
-                <a:latin typeface="+mn-ea"/>
-                <a:ea typeface="+mn-ea"/>
-              </a:rPr>
-              <a:t> </a:t>
-            </a:r>
             <a:r>
               <a:rPr lang="en-US" altLang="ko-KR" sz="2700" b="1" dirty="0">
                 <a:latin typeface="+mn-ea"/>
@@ -5936,7 +5931,7 @@
         </p:nvSpPr>
         <p:spPr>
           <a:xfrm>
-            <a:off x="413817" y="2472270"/>
+            <a:off x="263455" y="2123000"/>
             <a:ext cx="6396724" cy="369332"/>
           </a:xfrm>
           <a:prstGeom prst="rect">
@@ -5993,14 +5988,14 @@
           <p:nvPr>
             <p:extLst>
               <p:ext uri="{D42A27DB-BD31-4B8C-83A1-F6EECF244321}">
-                <p14:modId xmlns:p14="http://schemas.microsoft.com/office/powerpoint/2010/main" val="2643123625"/>
+                <p14:modId xmlns:p14="http://schemas.microsoft.com/office/powerpoint/2010/main" val="3340251981"/>
               </p:ext>
             </p:extLst>
           </p:nvPr>
         </p:nvGraphicFramePr>
         <p:xfrm>
-          <a:off x="538776" y="3191854"/>
-          <a:ext cx="7728924" cy="2854960"/>
+          <a:off x="263456" y="4406666"/>
+          <a:ext cx="8718620" cy="2264469"/>
         </p:xfrm>
         <a:graphic>
           <a:graphicData uri="http://schemas.openxmlformats.org/drawingml/2006/table">
@@ -6009,14 +6004,14 @@
                 <a:tableStyleId>{5C22544A-7EE6-4342-B048-85BDC9FD1C3A}</a:tableStyleId>
               </a:tblPr>
               <a:tblGrid>
-                <a:gridCol w="3537924">
+                <a:gridCol w="4066852">
                   <a:extLst>
                     <a:ext uri="{9D8B030D-6E8A-4147-A177-3AD203B41FA5}">
                       <a16:colId xmlns:a16="http://schemas.microsoft.com/office/drawing/2014/main" val="1420162106"/>
                     </a:ext>
                   </a:extLst>
                 </a:gridCol>
-                <a:gridCol w="4191000">
+                <a:gridCol w="4651768">
                   <a:extLst>
                     <a:ext uri="{9D8B030D-6E8A-4147-A177-3AD203B41FA5}">
                       <a16:colId xmlns:a16="http://schemas.microsoft.com/office/drawing/2014/main" val="3313592341"/>
@@ -6024,7 +6019,7 @@
                   </a:extLst>
                 </a:gridCol>
               </a:tblGrid>
-              <a:tr h="370840">
+              <a:tr h="272943">
                 <a:tc>
                   <a:txBody>
                     <a:bodyPr/>
@@ -6032,7 +6027,7 @@
                     <a:p>
                       <a:pPr algn="ctr" latinLnBrk="1"/>
                       <a:r>
-                        <a:rPr lang="ko-KR" altLang="en-US" dirty="0"/>
+                        <a:rPr lang="ko-KR" altLang="en-US" sz="1400" dirty="0"/>
                         <a:t>주요 메소드 </a:t>
                       </a:r>
                     </a:p>
@@ -6046,7 +6041,7 @@
                     <a:p>
                       <a:pPr algn="ctr" latinLnBrk="1"/>
                       <a:r>
-                        <a:rPr lang="ko-KR" altLang="en-US" dirty="0"/>
+                        <a:rPr lang="ko-KR" altLang="en-US" sz="1400" dirty="0"/>
                         <a:t>기능</a:t>
                       </a:r>
                     </a:p>
@@ -6059,7 +6054,7 @@
                   </a:ext>
                 </a:extLst>
               </a:tr>
-              <a:tr h="370840">
+              <a:tr h="300237">
                 <a:tc>
                   <a:txBody>
                     <a:bodyPr/>
@@ -6067,14 +6062,14 @@
                     <a:p>
                       <a:pPr algn="ctr" latinLnBrk="1"/>
                       <a:r>
-                        <a:rPr lang="en-US" altLang="ko-KR" sz="1900" b="1" dirty="0" err="1"/>
+                        <a:rPr lang="en-US" altLang="ko-KR" sz="1600" b="1" dirty="0" err="1"/>
                         <a:t>getFrame</a:t>
                       </a:r>
                       <a:r>
-                        <a:rPr lang="en-US" altLang="ko-KR" sz="1900" b="1" dirty="0"/>
+                        <a:rPr lang="en-US" altLang="ko-KR" sz="1600" b="1" dirty="0"/>
                         <a:t>()</a:t>
                       </a:r>
-                      <a:endParaRPr lang="ko-KR" altLang="en-US" sz="1900" b="1" dirty="0"/>
+                      <a:endParaRPr lang="ko-KR" altLang="en-US" sz="1600" b="1" dirty="0"/>
                     </a:p>
                   </a:txBody>
                   <a:tcPr/>
@@ -6086,7 +6081,7 @@
                     <a:p>
                       <a:pPr algn="ctr" latinLnBrk="1"/>
                       <a:r>
-                        <a:rPr lang="ko-KR" altLang="en-US" b="0" dirty="0"/>
+                        <a:rPr lang="ko-KR" altLang="en-US" sz="1400" b="0" dirty="0"/>
                         <a:t>프레임을 캡처 </a:t>
                       </a:r>
                     </a:p>
@@ -6099,7 +6094,7 @@
                   </a:ext>
                 </a:extLst>
               </a:tr>
-              <a:tr h="370840">
+              <a:tr h="300237">
                 <a:tc>
                   <a:txBody>
                     <a:bodyPr/>
@@ -6107,14 +6102,14 @@
                     <a:p>
                       <a:pPr algn="ctr" latinLnBrk="1"/>
                       <a:r>
-                        <a:rPr lang="en-US" altLang="ko-KR" sz="1900" b="1" dirty="0" err="1"/>
+                        <a:rPr lang="en-US" altLang="ko-KR" sz="1600" b="1" dirty="0" err="1"/>
                         <a:t>resizeFrame</a:t>
                       </a:r>
                       <a:r>
-                        <a:rPr lang="en-US" altLang="ko-KR" sz="1900" b="1" dirty="0"/>
+                        <a:rPr lang="en-US" altLang="ko-KR" sz="1600" b="1" dirty="0"/>
                         <a:t>()</a:t>
                       </a:r>
-                      <a:endParaRPr lang="ko-KR" altLang="en-US" sz="1900" b="1" dirty="0"/>
+                      <a:endParaRPr lang="ko-KR" altLang="en-US" sz="1600" b="1" dirty="0"/>
                     </a:p>
                   </a:txBody>
                   <a:tcPr/>
@@ -6126,7 +6121,7 @@
                     <a:p>
                       <a:pPr algn="ctr" latinLnBrk="1"/>
                       <a:r>
-                        <a:rPr lang="ko-KR" altLang="en-US" b="0" dirty="0"/>
+                        <a:rPr lang="ko-KR" altLang="en-US" sz="1400" b="0" dirty="0"/>
                         <a:t>프레임의 크기를 결정</a:t>
                       </a:r>
                     </a:p>
@@ -6139,7 +6134,7 @@
                   </a:ext>
                 </a:extLst>
               </a:tr>
-              <a:tr h="370840">
+              <a:tr h="392753">
                 <a:tc>
                   <a:txBody>
                     <a:bodyPr/>
@@ -6147,14 +6142,26 @@
                     <a:p>
                       <a:pPr algn="ctr" latinLnBrk="1"/>
                       <a:r>
-                        <a:rPr lang="en-US" altLang="ko-KR" sz="1900" b="1" dirty="0" err="1"/>
+                        <a:rPr lang="en-US" altLang="ko-KR" sz="1600" b="1" dirty="0" err="1"/>
                         <a:t>showFrame</a:t>
                       </a:r>
                       <a:r>
-                        <a:rPr lang="en-US" altLang="ko-KR" sz="1900" b="1" dirty="0"/>
-                        <a:t>()</a:t>
+                        <a:rPr lang="en-US" altLang="ko-KR" sz="1600" b="1" dirty="0"/>
+                        <a:t>(</a:t>
                       </a:r>
-                      <a:endParaRPr lang="ko-KR" altLang="en-US" sz="1900" b="1" dirty="0"/>
+                      <a:r>
+                        <a:rPr lang="en-US" altLang="ko-KR" sz="1500" b="1" dirty="0"/>
+                        <a:t>frame, thresh, </a:t>
+                      </a:r>
+                      <a:r>
+                        <a:rPr lang="en-US" altLang="ko-KR" sz="1500" b="1" dirty="0" err="1"/>
+                        <a:t>frameDelta</a:t>
+                      </a:r>
+                      <a:r>
+                        <a:rPr lang="en-US" altLang="ko-KR" sz="1600" b="1" dirty="0"/>
+                        <a:t>)</a:t>
+                      </a:r>
+                      <a:endParaRPr lang="ko-KR" altLang="en-US" sz="1600" b="1" dirty="0"/>
                     </a:p>
                   </a:txBody>
                   <a:tcPr/>
@@ -6166,11 +6173,11 @@
                     <a:p>
                       <a:pPr algn="ctr" latinLnBrk="1"/>
                       <a:r>
-                        <a:rPr lang="ko-KR" altLang="en-US" b="0" dirty="0" err="1"/>
+                        <a:rPr lang="ko-KR" altLang="en-US" sz="1400" b="0" dirty="0" err="1"/>
                         <a:t>캡처된</a:t>
                       </a:r>
                       <a:r>
-                        <a:rPr lang="ko-KR" altLang="en-US" b="0" dirty="0"/>
+                        <a:rPr lang="ko-KR" altLang="en-US" sz="1400" b="0" dirty="0"/>
                         <a:t> 프레임을 화면에 보여줌 </a:t>
                       </a:r>
                     </a:p>
@@ -6183,7 +6190,7 @@
                   </a:ext>
                 </a:extLst>
               </a:tr>
-              <a:tr h="370840">
+              <a:tr h="300237">
                 <a:tc>
                   <a:txBody>
                     <a:bodyPr/>
@@ -6191,10 +6198,10 @@
                     <a:p>
                       <a:pPr algn="ctr" latinLnBrk="1"/>
                       <a:r>
-                        <a:rPr lang="en-US" altLang="ko-KR" sz="1900" b="1" dirty="0"/>
+                        <a:rPr lang="en-US" altLang="ko-KR" sz="1600" b="1" dirty="0"/>
                         <a:t>motion()</a:t>
                       </a:r>
-                      <a:endParaRPr lang="ko-KR" altLang="en-US" sz="1900" b="1" dirty="0"/>
+                      <a:endParaRPr lang="ko-KR" altLang="en-US" sz="1600" b="1" dirty="0"/>
                     </a:p>
                   </a:txBody>
                   <a:tcPr/>
@@ -6206,7 +6213,7 @@
                     <a:p>
                       <a:pPr algn="ctr" latinLnBrk="1"/>
                       <a:r>
-                        <a:rPr lang="ko-KR" altLang="en-US" sz="1800" b="0" i="0" dirty="0"/>
+                        <a:rPr lang="ko-KR" altLang="en-US" sz="1400" b="0" i="0" dirty="0"/>
                         <a:t>모션 감지된 영역에 사각형을 그림 </a:t>
                       </a:r>
                     </a:p>
@@ -6219,25 +6226,17 @@
                   </a:ext>
                 </a:extLst>
               </a:tr>
-              <a:tr h="272706">
+              <a:tr h="561076">
                 <a:tc>
                   <a:txBody>
                     <a:bodyPr/>
                     <a:lstStyle/>
                     <a:p>
                       <a:pPr algn="ctr" latinLnBrk="1"/>
-                      <a:endParaRPr lang="en-US" altLang="ko-KR" sz="1900" b="1" dirty="0"/>
-                    </a:p>
-                    <a:p>
-                      <a:pPr algn="ctr" latinLnBrk="1"/>
                       <a:r>
-                        <a:rPr lang="en-US" altLang="ko-KR" sz="1900" b="1" dirty="0"/>
+                        <a:rPr lang="en-US" altLang="ko-KR" sz="1600" b="1" dirty="0"/>
                         <a:t>camera()</a:t>
                       </a:r>
-                    </a:p>
-                    <a:p>
-                      <a:pPr algn="ctr" latinLnBrk="1"/>
-                      <a:endParaRPr lang="en-US" altLang="ko-KR" sz="1900" b="1" dirty="0"/>
                     </a:p>
                   </a:txBody>
                   <a:tcPr/>
@@ -6249,27 +6248,27 @@
                     <a:p>
                       <a:pPr algn="ctr" latinLnBrk="1"/>
                       <a:r>
-                        <a:rPr lang="ko-KR" altLang="en-US" b="0" dirty="0"/>
+                        <a:rPr lang="ko-KR" altLang="en-US" sz="1400" b="0" dirty="0"/>
                         <a:t>주요 메소드들의 반복 호출을 </a:t>
                       </a:r>
-                      <a:endParaRPr lang="en-US" altLang="ko-KR" b="0" dirty="0"/>
+                      <a:endParaRPr lang="en-US" altLang="ko-KR" sz="1400" b="0" dirty="0"/>
                     </a:p>
                     <a:p>
                       <a:pPr algn="ctr" latinLnBrk="1"/>
                       <a:r>
-                        <a:rPr lang="ko-KR" altLang="en-US" b="0" dirty="0"/>
+                        <a:rPr lang="ko-KR" altLang="en-US" sz="1400" b="0" dirty="0"/>
                         <a:t>통해서 프레임을 계속 촬영하여 영상을 </a:t>
                       </a:r>
                       <a:r>
-                        <a:rPr lang="ko-KR" altLang="en-US" b="0" dirty="0" err="1"/>
+                        <a:rPr lang="ko-KR" altLang="en-US" sz="1400" b="0" dirty="0" err="1"/>
                         <a:t>만들어냄</a:t>
                       </a:r>
                       <a:r>
-                        <a:rPr lang="en-US" altLang="ko-KR" b="0" dirty="0"/>
+                        <a:rPr lang="en-US" altLang="ko-KR" sz="1400" b="0" dirty="0"/>
                         <a:t> </a:t>
                       </a:r>
                       <a:r>
-                        <a:rPr lang="ko-KR" altLang="en-US" b="0" dirty="0"/>
+                        <a:rPr lang="ko-KR" altLang="en-US" sz="1400" b="0" dirty="0"/>
                         <a:t> </a:t>
                       </a:r>
                     </a:p>
@@ -6279,6 +6278,245 @@
                 <a:extLst>
                   <a:ext uri="{0D108BD9-81ED-4DB2-BD59-A6C34878D82A}">
                     <a16:rowId xmlns:a16="http://schemas.microsoft.com/office/drawing/2014/main" val="2188578687"/>
+                  </a:ext>
+                </a:extLst>
+              </a:tr>
+            </a:tbl>
+          </a:graphicData>
+        </a:graphic>
+      </p:graphicFrame>
+      <p:graphicFrame>
+        <p:nvGraphicFramePr>
+          <p:cNvPr id="10" name="표 9">
+            <a:extLst>
+              <a:ext uri="{FF2B5EF4-FFF2-40B4-BE49-F238E27FC236}">
+                <a16:creationId xmlns:a16="http://schemas.microsoft.com/office/drawing/2014/main" id="{1A985167-FBCE-4457-9670-00D88EB8CD90}"/>
+              </a:ext>
+            </a:extLst>
+          </p:cNvPr>
+          <p:cNvGraphicFramePr>
+            <a:graphicFrameLocks noGrp="1"/>
+          </p:cNvGraphicFramePr>
+          <p:nvPr>
+            <p:extLst>
+              <p:ext uri="{D42A27DB-BD31-4B8C-83A1-F6EECF244321}">
+                <p14:modId xmlns:p14="http://schemas.microsoft.com/office/powerpoint/2010/main" val="2445311376"/>
+              </p:ext>
+            </p:extLst>
+          </p:nvPr>
+        </p:nvGraphicFramePr>
+        <p:xfrm>
+          <a:off x="263455" y="2568554"/>
+          <a:ext cx="5965895" cy="1645920"/>
+        </p:xfrm>
+        <a:graphic>
+          <a:graphicData uri="http://schemas.openxmlformats.org/drawingml/2006/table">
+            <a:tbl>
+              <a:tblPr firstRow="1" bandRow="1">
+                <a:tableStyleId>{5C22544A-7EE6-4342-B048-85BDC9FD1C3A}</a:tableStyleId>
+              </a:tblPr>
+              <a:tblGrid>
+                <a:gridCol w="2975045">
+                  <a:extLst>
+                    <a:ext uri="{9D8B030D-6E8A-4147-A177-3AD203B41FA5}">
+                      <a16:colId xmlns:a16="http://schemas.microsoft.com/office/drawing/2014/main" val="1420162106"/>
+                    </a:ext>
+                  </a:extLst>
+                </a:gridCol>
+                <a:gridCol w="2990850">
+                  <a:extLst>
+                    <a:ext uri="{9D8B030D-6E8A-4147-A177-3AD203B41FA5}">
+                      <a16:colId xmlns:a16="http://schemas.microsoft.com/office/drawing/2014/main" val="3313592341"/>
+                    </a:ext>
+                  </a:extLst>
+                </a:gridCol>
+              </a:tblGrid>
+              <a:tr h="242243">
+                <a:tc gridSpan="2">
+                  <a:txBody>
+                    <a:bodyPr/>
+                    <a:lstStyle/>
+                    <a:p>
+                      <a:pPr algn="ctr" latinLnBrk="1"/>
+                      <a:r>
+                        <a:rPr lang="ko-KR" altLang="en-US" sz="1400" dirty="0"/>
+                        <a:t>주요 필드</a:t>
+                      </a:r>
+                      <a:r>
+                        <a:rPr lang="en-US" altLang="ko-KR" sz="1400" dirty="0"/>
+                        <a:t>(</a:t>
+                      </a:r>
+                      <a:r>
+                        <a:rPr lang="ko-KR" altLang="en-US" sz="1400" dirty="0"/>
+                        <a:t>변수</a:t>
+                      </a:r>
+                      <a:r>
+                        <a:rPr lang="en-US" altLang="ko-KR" sz="1400" dirty="0"/>
+                        <a:t>)</a:t>
+                      </a:r>
+                      <a:endParaRPr lang="ko-KR" altLang="en-US" sz="1400" dirty="0"/>
+                    </a:p>
+                  </a:txBody>
+                  <a:tcPr/>
+                </a:tc>
+                <a:tc hMerge="1">
+                  <a:txBody>
+                    <a:bodyPr/>
+                    <a:lstStyle/>
+                    <a:p>
+                      <a:pPr algn="ctr" latinLnBrk="1"/>
+                      <a:endParaRPr lang="ko-KR" altLang="en-US" dirty="0"/>
+                    </a:p>
+                  </a:txBody>
+                  <a:tcPr/>
+                </a:tc>
+                <a:extLst>
+                  <a:ext uri="{0D108BD9-81ED-4DB2-BD59-A6C34878D82A}">
+                    <a16:rowId xmlns:a16="http://schemas.microsoft.com/office/drawing/2014/main" val="2348051467"/>
+                  </a:ext>
+                </a:extLst>
+              </a:tr>
+              <a:tr h="266468">
+                <a:tc>
+                  <a:txBody>
+                    <a:bodyPr/>
+                    <a:lstStyle/>
+                    <a:p>
+                      <a:pPr algn="ctr" latinLnBrk="1"/>
+                      <a:r>
+                        <a:rPr lang="en-US" altLang="ko-KR" sz="1600" b="1" dirty="0"/>
+                        <a:t>frame</a:t>
+                      </a:r>
+                      <a:endParaRPr lang="ko-KR" altLang="en-US" sz="1600" b="1" dirty="0"/>
+                    </a:p>
+                  </a:txBody>
+                  <a:tcPr/>
+                </a:tc>
+                <a:tc>
+                  <a:txBody>
+                    <a:bodyPr/>
+                    <a:lstStyle/>
+                    <a:p>
+                      <a:pPr algn="ctr" latinLnBrk="1"/>
+                      <a:r>
+                        <a:rPr lang="en-US" altLang="ko-KR" sz="1400" b="1" dirty="0"/>
+                        <a:t>gray</a:t>
+                      </a:r>
+                      <a:endParaRPr lang="ko-KR" altLang="en-US" sz="1400" b="1" dirty="0"/>
+                    </a:p>
+                  </a:txBody>
+                  <a:tcPr/>
+                </a:tc>
+                <a:extLst>
+                  <a:ext uri="{0D108BD9-81ED-4DB2-BD59-A6C34878D82A}">
+                    <a16:rowId xmlns:a16="http://schemas.microsoft.com/office/drawing/2014/main" val="144835119"/>
+                  </a:ext>
+                </a:extLst>
+              </a:tr>
+              <a:tr h="266468">
+                <a:tc>
+                  <a:txBody>
+                    <a:bodyPr/>
+                    <a:lstStyle/>
+                    <a:p>
+                      <a:pPr algn="ctr" latinLnBrk="1"/>
+                      <a:r>
+                        <a:rPr lang="en-US" altLang="ko-KR" sz="1600" b="1" dirty="0"/>
+                        <a:t>text</a:t>
+                      </a:r>
+                      <a:endParaRPr lang="ko-KR" altLang="en-US" sz="1600" b="1" dirty="0"/>
+                    </a:p>
+                  </a:txBody>
+                  <a:tcPr/>
+                </a:tc>
+                <a:tc>
+                  <a:txBody>
+                    <a:bodyPr/>
+                    <a:lstStyle/>
+                    <a:p>
+                      <a:pPr algn="ctr" latinLnBrk="1"/>
+                      <a:r>
+                        <a:rPr lang="en-US" altLang="ko-KR" sz="1400" b="1" dirty="0" err="1"/>
+                        <a:t>frameDelta</a:t>
+                      </a:r>
+                      <a:endParaRPr lang="ko-KR" altLang="en-US" sz="1400" b="1" dirty="0"/>
+                    </a:p>
+                  </a:txBody>
+                  <a:tcPr/>
+                </a:tc>
+                <a:extLst>
+                  <a:ext uri="{0D108BD9-81ED-4DB2-BD59-A6C34878D82A}">
+                    <a16:rowId xmlns:a16="http://schemas.microsoft.com/office/drawing/2014/main" val="411756001"/>
+                  </a:ext>
+                </a:extLst>
+              </a:tr>
+              <a:tr h="266468">
+                <a:tc>
+                  <a:txBody>
+                    <a:bodyPr/>
+                    <a:lstStyle/>
+                    <a:p>
+                      <a:pPr algn="ctr" latinLnBrk="1"/>
+                      <a:r>
+                        <a:rPr lang="en-US" altLang="ko-KR" sz="1600" b="1" dirty="0"/>
+                        <a:t>thresh</a:t>
+                      </a:r>
+                      <a:endParaRPr lang="ko-KR" altLang="en-US" sz="1600" b="1" dirty="0"/>
+                    </a:p>
+                  </a:txBody>
+                  <a:tcPr/>
+                </a:tc>
+                <a:tc>
+                  <a:txBody>
+                    <a:bodyPr/>
+                    <a:lstStyle/>
+                    <a:p>
+                      <a:pPr algn="ctr" latinLnBrk="1"/>
+                      <a:r>
+                        <a:rPr lang="en-US" altLang="ko-KR" sz="1400" b="1" dirty="0" err="1"/>
+                        <a:t>args</a:t>
+                      </a:r>
+                      <a:endParaRPr lang="ko-KR" altLang="en-US" sz="1400" b="1" dirty="0"/>
+                    </a:p>
+                  </a:txBody>
+                  <a:tcPr/>
+                </a:tc>
+                <a:extLst>
+                  <a:ext uri="{0D108BD9-81ED-4DB2-BD59-A6C34878D82A}">
+                    <a16:rowId xmlns:a16="http://schemas.microsoft.com/office/drawing/2014/main" val="762530224"/>
+                  </a:ext>
+                </a:extLst>
+              </a:tr>
+              <a:tr h="266468">
+                <a:tc>
+                  <a:txBody>
+                    <a:bodyPr/>
+                    <a:lstStyle/>
+                    <a:p>
+                      <a:pPr algn="ctr" latinLnBrk="1"/>
+                      <a:r>
+                        <a:rPr lang="en-US" altLang="ko-KR" sz="1600" b="1" dirty="0"/>
+                        <a:t>timer</a:t>
+                      </a:r>
+                      <a:endParaRPr lang="ko-KR" altLang="en-US" sz="1600" b="1" dirty="0"/>
+                    </a:p>
+                  </a:txBody>
+                  <a:tcPr/>
+                </a:tc>
+                <a:tc>
+                  <a:txBody>
+                    <a:bodyPr/>
+                    <a:lstStyle/>
+                    <a:p>
+                      <a:pPr algn="ctr" latinLnBrk="1"/>
+                      <a:endParaRPr lang="ko-KR" altLang="en-US" sz="1400" b="1" i="0" dirty="0"/>
+                    </a:p>
+                  </a:txBody>
+                  <a:tcPr/>
+                </a:tc>
+                <a:extLst>
+                  <a:ext uri="{0D108BD9-81ED-4DB2-BD59-A6C34878D82A}">
+                    <a16:rowId xmlns:a16="http://schemas.microsoft.com/office/drawing/2014/main" val="1570170087"/>
                   </a:ext>
                 </a:extLst>
               </a:tr>
@@ -6605,14 +6843,14 @@
           <p:nvPr>
             <p:extLst>
               <p:ext uri="{D42A27DB-BD31-4B8C-83A1-F6EECF244321}">
-                <p14:modId xmlns:p14="http://schemas.microsoft.com/office/powerpoint/2010/main" val="1077551750"/>
+                <p14:modId xmlns:p14="http://schemas.microsoft.com/office/powerpoint/2010/main" val="1544285058"/>
               </p:ext>
             </p:extLst>
           </p:nvPr>
         </p:nvGraphicFramePr>
         <p:xfrm>
           <a:off x="452279" y="2190496"/>
-          <a:ext cx="8174196" cy="1898006"/>
+          <a:ext cx="8174196" cy="1767840"/>
         </p:xfrm>
         <a:graphic>
           <a:graphicData uri="http://schemas.openxmlformats.org/drawingml/2006/table">
@@ -6636,7 +6874,7 @@
                   </a:extLst>
                 </a:gridCol>
               </a:tblGrid>
-              <a:tr h="495926">
+              <a:tr h="358648">
                 <a:tc>
                   <a:txBody>
                     <a:bodyPr/>
@@ -6716,7 +6954,15 @@
                       <a:pPr algn="ctr" latinLnBrk="1"/>
                       <a:r>
                         <a:rPr lang="en-US" altLang="ko-KR" sz="1900" b="1" dirty="0"/>
-                        <a:t>motor()</a:t>
+                        <a:t>motor(</a:t>
+                      </a:r>
+                      <a:r>
+                        <a:rPr lang="en-US" altLang="ko-KR" sz="1800" b="1" dirty="0" err="1"/>
+                        <a:t>input_string</a:t>
+                      </a:r>
+                      <a:r>
+                        <a:rPr lang="en-US" altLang="ko-KR" sz="1900" b="1" dirty="0"/>
+                        <a:t>)</a:t>
                       </a:r>
                       <a:endParaRPr lang="ko-KR" altLang="en-US" sz="1900" b="1" dirty="0"/>
                     </a:p>
@@ -6767,7 +7013,15 @@
                       <a:pPr algn="ctr" latinLnBrk="1"/>
                       <a:r>
                         <a:rPr lang="en-US" altLang="ko-KR" sz="1900" b="1" dirty="0"/>
-                        <a:t>connection()</a:t>
+                        <a:t>connection(</a:t>
+                      </a:r>
+                      <a:r>
+                        <a:rPr lang="en-US" altLang="ko-KR" sz="1800" b="1" dirty="0" err="1"/>
+                        <a:t>input_string</a:t>
+                      </a:r>
+                      <a:r>
+                        <a:rPr lang="en-US" altLang="ko-KR" sz="1900" b="1" dirty="0"/>
+                        <a:t>)</a:t>
                       </a:r>
                       <a:endParaRPr lang="ko-KR" altLang="en-US" sz="1900" b="1" dirty="0"/>
                     </a:p>
@@ -6927,7 +7181,7 @@
           <p:nvPr>
             <p:extLst>
               <p:ext uri="{D42A27DB-BD31-4B8C-83A1-F6EECF244321}">
-                <p14:modId xmlns:p14="http://schemas.microsoft.com/office/powerpoint/2010/main" val="492520570"/>
+                <p14:modId xmlns:p14="http://schemas.microsoft.com/office/powerpoint/2010/main" val="2289057243"/>
               </p:ext>
             </p:extLst>
           </p:nvPr>
@@ -7189,15 +7443,7 @@
                       </a:r>
                       <a:r>
                         <a:rPr lang="ko-KR" altLang="en-US" dirty="0"/>
-                        <a:t> 모터를 </a:t>
-                      </a:r>
-                      <a:r>
-                        <a:rPr lang="ko-KR" altLang="en-US" dirty="0" err="1"/>
-                        <a:t>오룬쪽으로</a:t>
-                      </a:r>
-                      <a:r>
-                        <a:rPr lang="ko-KR" altLang="en-US" dirty="0"/>
-                        <a:t> 움직임</a:t>
+                        <a:t> 모터를 오른쪽으로 움직임</a:t>
                       </a:r>
                     </a:p>
                   </a:txBody>
@@ -7267,7 +7513,7 @@
                 <a:latin typeface="+mj-lt"/>
                 <a:ea typeface="나눔고딕" pitchFamily="50" charset="-127"/>
               </a:rPr>
-              <a:t> / 25</a:t>
+              <a:t> / 26</a:t>
             </a:r>
           </a:p>
         </p:txBody>
@@ -7541,7 +7787,7 @@
                 <a:latin typeface="+mj-lt"/>
                 <a:ea typeface="나눔고딕" pitchFamily="50" charset="-127"/>
               </a:rPr>
-              <a:t> / 25</a:t>
+              <a:t> / 26</a:t>
             </a:r>
           </a:p>
         </p:txBody>
@@ -7665,14 +7911,14 @@
           <p:nvPr>
             <p:extLst>
               <p:ext uri="{D42A27DB-BD31-4B8C-83A1-F6EECF244321}">
-                <p14:modId xmlns:p14="http://schemas.microsoft.com/office/powerpoint/2010/main" val="495259453"/>
+                <p14:modId xmlns:p14="http://schemas.microsoft.com/office/powerpoint/2010/main" val="3381226065"/>
               </p:ext>
             </p:extLst>
           </p:nvPr>
         </p:nvGraphicFramePr>
         <p:xfrm>
-          <a:off x="496886" y="2313097"/>
-          <a:ext cx="7808914" cy="1132840"/>
+          <a:off x="496886" y="3437047"/>
+          <a:ext cx="7808914" cy="1315720"/>
         </p:xfrm>
         <a:graphic>
           <a:graphicData uri="http://schemas.openxmlformats.org/drawingml/2006/table">
@@ -7704,7 +7950,7 @@
                     <a:p>
                       <a:pPr algn="ctr" latinLnBrk="1"/>
                       <a:r>
-                        <a:rPr lang="ko-KR" altLang="en-US" dirty="0"/>
+                        <a:rPr lang="ko-KR" altLang="en-US" sz="1600" dirty="0"/>
                         <a:t>주요 메소드 </a:t>
                       </a:r>
                     </a:p>
@@ -7718,7 +7964,7 @@
                     <a:p>
                       <a:pPr algn="ctr" latinLnBrk="1"/>
                       <a:r>
-                        <a:rPr lang="ko-KR" altLang="en-US" dirty="0"/>
+                        <a:rPr lang="ko-KR" altLang="en-US" sz="1600" dirty="0"/>
                         <a:t>기능 </a:t>
                       </a:r>
                     </a:p>
@@ -7739,14 +7985,22 @@
                     <a:p>
                       <a:pPr algn="ctr" latinLnBrk="1"/>
                       <a:r>
-                        <a:rPr lang="en-US" altLang="ko-KR" sz="1900" b="1" dirty="0" err="1"/>
+                        <a:rPr lang="en-US" altLang="ko-KR" sz="1800" b="1" dirty="0" err="1"/>
                         <a:t>pushTimer</a:t>
                       </a:r>
                       <a:r>
-                        <a:rPr lang="en-US" altLang="ko-KR" sz="1900" b="1" dirty="0"/>
-                        <a:t>()</a:t>
+                        <a:rPr lang="en-US" altLang="ko-KR" sz="1800" b="1" dirty="0"/>
+                        <a:t>(</a:t>
                       </a:r>
-                      <a:endParaRPr lang="ko-KR" altLang="en-US" sz="1900" b="1" dirty="0"/>
+                      <a:r>
+                        <a:rPr lang="en-US" altLang="ko-KR" sz="1600" b="1" dirty="0"/>
+                        <a:t>sense</a:t>
+                      </a:r>
+                      <a:r>
+                        <a:rPr lang="en-US" altLang="ko-KR" sz="1800" b="1" dirty="0"/>
+                        <a:t>)</a:t>
+                      </a:r>
+                      <a:endParaRPr lang="ko-KR" altLang="en-US" sz="1800" b="1" dirty="0"/>
                     </a:p>
                   </a:txBody>
                   <a:tcPr/>
@@ -7758,7 +8012,7 @@
                     <a:p>
                       <a:pPr algn="ctr" latinLnBrk="1"/>
                       <a:r>
-                        <a:rPr lang="ko-KR" altLang="en-US" dirty="0"/>
+                        <a:rPr lang="ko-KR" altLang="en-US" sz="1600" dirty="0"/>
                         <a:t>푸시 알림을 위한 시간 기록 및 측정</a:t>
                       </a:r>
                     </a:p>
@@ -7779,14 +8033,14 @@
                     <a:p>
                       <a:pPr algn="ctr" latinLnBrk="1"/>
                       <a:r>
-                        <a:rPr lang="en-US" altLang="ko-KR" sz="1900" b="1" dirty="0" err="1"/>
-                        <a:t>mailTimer</a:t>
+                        <a:rPr lang="en-US" altLang="ko-KR" sz="1800" b="1" dirty="0" err="1"/>
+                        <a:t>reactTimer</a:t>
                       </a:r>
                       <a:r>
-                        <a:rPr lang="en-US" altLang="ko-KR" sz="1900" b="1" dirty="0"/>
+                        <a:rPr lang="en-US" altLang="ko-KR" sz="1800" b="1" dirty="0"/>
                         <a:t>()</a:t>
                       </a:r>
-                      <a:endParaRPr lang="ko-KR" altLang="en-US" sz="1900" b="1" dirty="0"/>
+                      <a:endParaRPr lang="ko-KR" altLang="en-US" sz="1800" b="1" dirty="0"/>
                     </a:p>
                   </a:txBody>
                   <a:tcPr/>
@@ -7798,8 +8052,8 @@
                     <a:p>
                       <a:pPr algn="ctr" latinLnBrk="1"/>
                       <a:r>
-                        <a:rPr lang="ko-KR" altLang="en-US" dirty="0"/>
-                        <a:t>메일 전송을 위한 시간 기록 및 측정</a:t>
+                        <a:rPr lang="ko-KR" altLang="en-US" sz="1600" dirty="0"/>
+                        <a:t>가족 및 지인에게 푸시 알림을 위한 시간 기록 및 측정</a:t>
                       </a:r>
                     </a:p>
                   </a:txBody>
@@ -7831,7 +8085,7 @@
         </p:nvSpPr>
         <p:spPr>
           <a:xfrm>
-            <a:off x="481217" y="3466038"/>
+            <a:off x="481217" y="4815930"/>
             <a:ext cx="3971926" cy="495776"/>
           </a:xfrm>
           <a:prstGeom prst="rect">
@@ -7891,7 +8145,7 @@
         </p:nvSpPr>
         <p:spPr>
           <a:xfrm>
-            <a:off x="496887" y="3908612"/>
+            <a:off x="496887" y="5258504"/>
             <a:ext cx="6396724" cy="369332"/>
           </a:xfrm>
           <a:prstGeom prst="rect">
@@ -7950,14 +8204,14 @@
           <p:nvPr>
             <p:extLst>
               <p:ext uri="{D42A27DB-BD31-4B8C-83A1-F6EECF244321}">
-                <p14:modId xmlns:p14="http://schemas.microsoft.com/office/powerpoint/2010/main" val="275069250"/>
+                <p14:modId xmlns:p14="http://schemas.microsoft.com/office/powerpoint/2010/main" val="3607698799"/>
               </p:ext>
             </p:extLst>
           </p:nvPr>
         </p:nvGraphicFramePr>
         <p:xfrm>
-          <a:off x="496886" y="4339013"/>
-          <a:ext cx="7808914" cy="751840"/>
+          <a:off x="496886" y="5688905"/>
+          <a:ext cx="7808914" cy="1102360"/>
         </p:xfrm>
         <a:graphic>
           <a:graphicData uri="http://schemas.openxmlformats.org/drawingml/2006/table">
@@ -7989,7 +8243,7 @@
                     <a:p>
                       <a:pPr algn="ctr" latinLnBrk="1"/>
                       <a:r>
-                        <a:rPr lang="ko-KR" altLang="en-US" dirty="0"/>
+                        <a:rPr lang="ko-KR" altLang="en-US" sz="1600" dirty="0"/>
                         <a:t>주요 메소드 </a:t>
                       </a:r>
                     </a:p>
@@ -8003,7 +8257,7 @@
                     <a:p>
                       <a:pPr algn="ctr" latinLnBrk="1"/>
                       <a:r>
-                        <a:rPr lang="ko-KR" altLang="en-US" dirty="0"/>
+                        <a:rPr lang="ko-KR" altLang="en-US" sz="1600" dirty="0"/>
                         <a:t>기능 </a:t>
                       </a:r>
                     </a:p>
@@ -8016,7 +8270,7 @@
                   </a:ext>
                 </a:extLst>
               </a:tr>
-              <a:tr h="370840">
+              <a:tr h="190500">
                 <a:tc>
                   <a:txBody>
                     <a:bodyPr/>
@@ -8024,10 +8278,10 @@
                     <a:p>
                       <a:pPr algn="ctr" latinLnBrk="1"/>
                       <a:r>
-                        <a:rPr lang="en-US" altLang="ko-KR" sz="1900" b="1" dirty="0"/>
+                        <a:rPr lang="en-US" altLang="ko-KR" sz="1800" b="1" dirty="0"/>
                         <a:t>push()</a:t>
                       </a:r>
-                      <a:endParaRPr lang="ko-KR" altLang="en-US" sz="1900" b="1" dirty="0"/>
+                      <a:endParaRPr lang="ko-KR" altLang="en-US" sz="1800" b="1" dirty="0"/>
                     </a:p>
                   </a:txBody>
                   <a:tcPr/>
@@ -8039,8 +8293,8 @@
                     <a:p>
                       <a:pPr algn="ctr" latinLnBrk="1"/>
                       <a:r>
-                        <a:rPr lang="ko-KR" altLang="en-US" dirty="0"/>
-                        <a:t>앱으로 푸시 알림 보냄</a:t>
+                        <a:rPr lang="ko-KR" altLang="en-US" sz="1600" dirty="0"/>
+                        <a:t>집 주인에게 앱으로 푸시 알림 보냄</a:t>
                       </a:r>
                     </a:p>
                   </a:txBody>
@@ -8052,177 +8306,7 @@
                   </a:ext>
                 </a:extLst>
               </a:tr>
-            </a:tbl>
-          </a:graphicData>
-        </a:graphic>
-      </p:graphicFrame>
-      <p:sp>
-        <p:nvSpPr>
-          <p:cNvPr id="31" name="제목 1">
-            <a:extLst>
-              <a:ext uri="{FF2B5EF4-FFF2-40B4-BE49-F238E27FC236}">
-                <a16:creationId xmlns:a16="http://schemas.microsoft.com/office/drawing/2014/main" id="{7F2BF23A-2819-4A5D-8DBD-C3C1BE3A065E}"/>
-              </a:ext>
-            </a:extLst>
-          </p:cNvPr>
-          <p:cNvSpPr txBox="1">
-            <a:spLocks/>
-          </p:cNvSpPr>
-          <p:nvPr/>
-        </p:nvSpPr>
-        <p:spPr>
-          <a:xfrm>
-            <a:off x="452280" y="5188730"/>
-            <a:ext cx="1681320" cy="495776"/>
-          </a:xfrm>
-          <a:prstGeom prst="rect">
-            <a:avLst/>
-          </a:prstGeom>
-        </p:spPr>
-        <p:txBody>
-          <a:bodyPr vert="horz" lIns="91440" tIns="45720" rIns="91440" bIns="45720" rtlCol="0" anchor="ctr">
-            <a:normAutofit fontScale="97500"/>
-          </a:bodyPr>
-          <a:lstStyle>
-            <a:lvl1pPr algn="ctr" defTabSz="914400" rtl="0" eaLnBrk="1" latinLnBrk="1" hangingPunct="1">
-              <a:spcBef>
-                <a:spcPct val="0"/>
-              </a:spcBef>
-              <a:buNone/>
-              <a:defRPr sz="4400" kern="1200">
-                <a:solidFill>
-                  <a:schemeClr val="tx1"/>
-                </a:solidFill>
-                <a:latin typeface="나눔고딕" pitchFamily="50" charset="-127"/>
-                <a:ea typeface="나눔고딕" pitchFamily="50" charset="-127"/>
-                <a:cs typeface="+mj-cs"/>
-              </a:defRPr>
-            </a:lvl1pPr>
-          </a:lstStyle>
-          <a:p>
-            <a:pPr algn="l"/>
-            <a:r>
-              <a:rPr lang="en-US" altLang="ko-KR" sz="2400" b="1" dirty="0">
-                <a:latin typeface="+mj-lt"/>
-                <a:ea typeface="+mn-ea"/>
-              </a:rPr>
-              <a:t>Mail </a:t>
-            </a:r>
-            <a:r>
-              <a:rPr lang="ko-KR" altLang="en-US" sz="2400" b="1" dirty="0">
-                <a:latin typeface="+mj-lt"/>
-                <a:ea typeface="+mn-ea"/>
-              </a:rPr>
-              <a:t>모듈</a:t>
-            </a:r>
-          </a:p>
-        </p:txBody>
-      </p:sp>
-      <p:sp>
-        <p:nvSpPr>
-          <p:cNvPr id="32" name="TextBox 31">
-            <a:extLst>
-              <a:ext uri="{FF2B5EF4-FFF2-40B4-BE49-F238E27FC236}">
-                <a16:creationId xmlns:a16="http://schemas.microsoft.com/office/drawing/2014/main" id="{2AB928B8-51CA-41BC-A8FB-FA66271227BA}"/>
-              </a:ext>
-            </a:extLst>
-          </p:cNvPr>
-          <p:cNvSpPr txBox="1"/>
-          <p:nvPr/>
-        </p:nvSpPr>
-        <p:spPr>
-          <a:xfrm>
-            <a:off x="467950" y="5612254"/>
-            <a:ext cx="6396724" cy="369332"/>
-          </a:xfrm>
-          <a:prstGeom prst="rect">
-            <a:avLst/>
-          </a:prstGeom>
-          <a:noFill/>
-        </p:spPr>
-        <p:txBody>
-          <a:bodyPr wrap="square" rtlCol="0">
-            <a:spAutoFit/>
-          </a:bodyPr>
-          <a:lstStyle/>
-          <a:p>
-            <a:r>
-              <a:rPr lang="ko-KR" altLang="en-US" dirty="0">
-                <a:latin typeface="+mj-lt"/>
-              </a:rPr>
-              <a:t>기능 </a:t>
-            </a:r>
-            <a:r>
-              <a:rPr lang="en-US" altLang="ko-KR" dirty="0">
-                <a:latin typeface="+mj-lt"/>
-              </a:rPr>
-              <a:t>– </a:t>
-            </a:r>
-            <a:r>
-              <a:rPr lang="ko-KR" altLang="en-US" dirty="0">
-                <a:latin typeface="+mj-lt"/>
-              </a:rPr>
-              <a:t>등록된 이메일 주소를 통해 다른 사람에게 메일 보냄 </a:t>
-            </a:r>
-            <a:r>
-              <a:rPr lang="en-US" altLang="ko-KR" dirty="0">
-                <a:latin typeface="+mj-lt"/>
-              </a:rPr>
-              <a:t> </a:t>
-            </a:r>
-            <a:endParaRPr lang="ko-KR" altLang="en-US" dirty="0">
-              <a:latin typeface="+mj-lt"/>
-            </a:endParaRPr>
-          </a:p>
-        </p:txBody>
-      </p:sp>
-      <p:graphicFrame>
-        <p:nvGraphicFramePr>
-          <p:cNvPr id="33" name="표 32">
-            <a:extLst>
-              <a:ext uri="{FF2B5EF4-FFF2-40B4-BE49-F238E27FC236}">
-                <a16:creationId xmlns:a16="http://schemas.microsoft.com/office/drawing/2014/main" id="{53A1841B-1B78-4184-A475-3B412B6DE5A2}"/>
-              </a:ext>
-            </a:extLst>
-          </p:cNvPr>
-          <p:cNvGraphicFramePr>
-            <a:graphicFrameLocks noGrp="1"/>
-          </p:cNvGraphicFramePr>
-          <p:nvPr>
-            <p:extLst>
-              <p:ext uri="{D42A27DB-BD31-4B8C-83A1-F6EECF244321}">
-                <p14:modId xmlns:p14="http://schemas.microsoft.com/office/powerpoint/2010/main" val="1493963403"/>
-              </p:ext>
-            </p:extLst>
-          </p:nvPr>
-        </p:nvGraphicFramePr>
-        <p:xfrm>
-          <a:off x="467950" y="6080755"/>
-          <a:ext cx="7837850" cy="751840"/>
-        </p:xfrm>
-        <a:graphic>
-          <a:graphicData uri="http://schemas.openxmlformats.org/drawingml/2006/table">
-            <a:tbl>
-              <a:tblPr firstRow="1" bandRow="1">
-                <a:tableStyleId>{5C22544A-7EE6-4342-B048-85BDC9FD1C3A}</a:tableStyleId>
-              </a:tblPr>
-              <a:tblGrid>
-                <a:gridCol w="3818300">
-                  <a:extLst>
-                    <a:ext uri="{9D8B030D-6E8A-4147-A177-3AD203B41FA5}">
-                      <a16:colId xmlns:a16="http://schemas.microsoft.com/office/drawing/2014/main" val="1420162106"/>
-                    </a:ext>
-                  </a:extLst>
-                </a:gridCol>
-                <a:gridCol w="4019550">
-                  <a:extLst>
-                    <a:ext uri="{9D8B030D-6E8A-4147-A177-3AD203B41FA5}">
-                      <a16:colId xmlns:a16="http://schemas.microsoft.com/office/drawing/2014/main" val="3313592341"/>
-                    </a:ext>
-                  </a:extLst>
-                </a:gridCol>
-              </a:tblGrid>
-              <a:tr h="370840">
+              <a:tr h="190500">
                 <a:tc>
                   <a:txBody>
                     <a:bodyPr/>
@@ -8230,9 +8314,14 @@
                     <a:p>
                       <a:pPr algn="ctr" latinLnBrk="1"/>
                       <a:r>
-                        <a:rPr lang="ko-KR" altLang="en-US" dirty="0"/>
-                        <a:t>주요 메소드</a:t>
+                        <a:rPr lang="en-US" altLang="ko-KR" sz="1800" b="1" dirty="0" err="1"/>
+                        <a:t>nextPush</a:t>
                       </a:r>
+                      <a:r>
+                        <a:rPr lang="en-US" altLang="ko-KR" sz="1800" b="1" dirty="0"/>
+                        <a:t>()</a:t>
+                      </a:r>
+                      <a:endParaRPr lang="ko-KR" altLang="en-US" sz="1800" b="1" dirty="0"/>
                     </a:p>
                   </a:txBody>
                   <a:tcPr/>
@@ -8244,9 +8333,104 @@
                     <a:p>
                       <a:pPr algn="ctr" latinLnBrk="1"/>
                       <a:r>
-                        <a:rPr lang="ko-KR" altLang="en-US" dirty="0"/>
-                        <a:t>기능 </a:t>
+                        <a:rPr lang="ko-KR" altLang="en-US" sz="1600" dirty="0"/>
+                        <a:t>가족 및 지인에게 앱으로 푸시 알림 보냄</a:t>
                       </a:r>
+                    </a:p>
+                  </a:txBody>
+                  <a:tcPr/>
+                </a:tc>
+                <a:extLst>
+                  <a:ext uri="{0D108BD9-81ED-4DB2-BD59-A6C34878D82A}">
+                    <a16:rowId xmlns:a16="http://schemas.microsoft.com/office/drawing/2014/main" val="2367676597"/>
+                  </a:ext>
+                </a:extLst>
+              </a:tr>
+            </a:tbl>
+          </a:graphicData>
+        </a:graphic>
+      </p:graphicFrame>
+      <p:graphicFrame>
+        <p:nvGraphicFramePr>
+          <p:cNvPr id="12" name="표 11">
+            <a:extLst>
+              <a:ext uri="{FF2B5EF4-FFF2-40B4-BE49-F238E27FC236}">
+                <a16:creationId xmlns:a16="http://schemas.microsoft.com/office/drawing/2014/main" id="{8878A0C0-9B87-4132-BACA-F0C329744F04}"/>
+              </a:ext>
+            </a:extLst>
+          </p:cNvPr>
+          <p:cNvGraphicFramePr>
+            <a:graphicFrameLocks noGrp="1"/>
+          </p:cNvGraphicFramePr>
+          <p:nvPr>
+            <p:extLst>
+              <p:ext uri="{D42A27DB-BD31-4B8C-83A1-F6EECF244321}">
+                <p14:modId xmlns:p14="http://schemas.microsoft.com/office/powerpoint/2010/main" val="514955554"/>
+              </p:ext>
+            </p:extLst>
+          </p:nvPr>
+        </p:nvGraphicFramePr>
+        <p:xfrm>
+          <a:off x="500267" y="2343540"/>
+          <a:ext cx="5667744" cy="1010343"/>
+        </p:xfrm>
+        <a:graphic>
+          <a:graphicData uri="http://schemas.openxmlformats.org/drawingml/2006/table">
+            <a:tbl>
+              <a:tblPr firstRow="1" bandRow="1">
+                <a:tableStyleId>{5C22544A-7EE6-4342-B048-85BDC9FD1C3A}</a:tableStyleId>
+              </a:tblPr>
+              <a:tblGrid>
+                <a:gridCol w="2826364">
+                  <a:extLst>
+                    <a:ext uri="{9D8B030D-6E8A-4147-A177-3AD203B41FA5}">
+                      <a16:colId xmlns:a16="http://schemas.microsoft.com/office/drawing/2014/main" val="1420162106"/>
+                    </a:ext>
+                  </a:extLst>
+                </a:gridCol>
+                <a:gridCol w="2841380">
+                  <a:extLst>
+                    <a:ext uri="{9D8B030D-6E8A-4147-A177-3AD203B41FA5}">
+                      <a16:colId xmlns:a16="http://schemas.microsoft.com/office/drawing/2014/main" val="3313592341"/>
+                    </a:ext>
+                  </a:extLst>
+                </a:gridCol>
+              </a:tblGrid>
+              <a:tr h="276132">
+                <a:tc gridSpan="2">
+                  <a:txBody>
+                    <a:bodyPr/>
+                    <a:lstStyle/>
+                    <a:p>
+                      <a:pPr algn="ctr" latinLnBrk="1"/>
+                      <a:r>
+                        <a:rPr lang="ko-KR" altLang="en-US" sz="1600" dirty="0"/>
+                        <a:t>주요 필드</a:t>
+                      </a:r>
+                      <a:r>
+                        <a:rPr lang="en-US" altLang="ko-KR" sz="1600" dirty="0"/>
+                        <a:t>(</a:t>
+                      </a:r>
+                      <a:r>
+                        <a:rPr lang="ko-KR" altLang="en-US" sz="1600" dirty="0"/>
+                        <a:t>변수</a:t>
+                      </a:r>
+                      <a:r>
+                        <a:rPr lang="en-US" altLang="ko-KR" sz="1600" dirty="0"/>
+                        <a:t>)</a:t>
+                      </a:r>
+                      <a:endParaRPr lang="ko-KR" altLang="en-US" sz="1600" dirty="0"/>
+                    </a:p>
+                  </a:txBody>
+                  <a:tcPr/>
+                </a:tc>
+                <a:tc hMerge="1">
+                  <a:txBody>
+                    <a:bodyPr/>
+                    <a:lstStyle/>
+                    <a:p>
+                      <a:pPr algn="ctr" latinLnBrk="1"/>
+                      <a:endParaRPr lang="ko-KR" altLang="en-US" dirty="0"/>
                     </a:p>
                   </a:txBody>
                   <a:tcPr/>
@@ -8257,7 +8441,7 @@
                   </a:ext>
                 </a:extLst>
               </a:tr>
-              <a:tr h="370840">
+              <a:tr h="276132">
                 <a:tc>
                   <a:txBody>
                     <a:bodyPr/>
@@ -8265,14 +8449,10 @@
                     <a:p>
                       <a:pPr algn="ctr" latinLnBrk="1"/>
                       <a:r>
-                        <a:rPr lang="en-US" altLang="ko-KR" sz="1900" b="1" dirty="0" err="1"/>
-                        <a:t>sendEmail</a:t>
+                        <a:rPr lang="en-US" altLang="ko-KR" sz="1600" b="1" dirty="0" err="1"/>
+                        <a:t>updateTimeHour</a:t>
                       </a:r>
-                      <a:r>
-                        <a:rPr lang="en-US" altLang="ko-KR" sz="1900" b="1" dirty="0"/>
-                        <a:t>()</a:t>
-                      </a:r>
-                      <a:endParaRPr lang="ko-KR" altLang="en-US" sz="1900" b="1" dirty="0"/>
+                      <a:endParaRPr lang="ko-KR" altLang="en-US" sz="1600" b="1" dirty="0"/>
                     </a:p>
                   </a:txBody>
                   <a:tcPr/>
@@ -8284,9 +8464,10 @@
                     <a:p>
                       <a:pPr algn="ctr" latinLnBrk="1"/>
                       <a:r>
-                        <a:rPr lang="ko-KR" altLang="en-US" dirty="0"/>
-                        <a:t>등록된 이메일로 메일 전송</a:t>
+                        <a:rPr lang="en-US" altLang="ko-KR" sz="1600" b="1" dirty="0" err="1"/>
+                        <a:t>updateTimeMin</a:t>
                       </a:r>
+                      <a:endParaRPr lang="ko-KR" altLang="en-US" sz="1600" b="1" dirty="0"/>
                     </a:p>
                   </a:txBody>
                   <a:tcPr/>
@@ -8294,6 +8475,43 @@
                 <a:extLst>
                   <a:ext uri="{0D108BD9-81ED-4DB2-BD59-A6C34878D82A}">
                     <a16:rowId xmlns:a16="http://schemas.microsoft.com/office/drawing/2014/main" val="144835119"/>
+                  </a:ext>
+                </a:extLst>
+              </a:tr>
+              <a:tr h="339783">
+                <a:tc>
+                  <a:txBody>
+                    <a:bodyPr/>
+                    <a:lstStyle/>
+                    <a:p>
+                      <a:pPr algn="ctr" latinLnBrk="1"/>
+                      <a:r>
+                        <a:rPr lang="en-US" altLang="ko-KR" sz="1600" b="1" dirty="0"/>
+                        <a:t>start</a:t>
+                      </a:r>
+                      <a:endParaRPr lang="ko-KR" altLang="en-US" sz="1600" b="1" dirty="0"/>
+                    </a:p>
+                  </a:txBody>
+                  <a:tcPr/>
+                </a:tc>
+                <a:tc>
+                  <a:txBody>
+                    <a:bodyPr/>
+                    <a:lstStyle/>
+                    <a:p>
+                      <a:pPr algn="ctr" latinLnBrk="1"/>
+                      <a:r>
+                        <a:rPr lang="en-US" altLang="ko-KR" sz="1600" b="1" dirty="0"/>
+                        <a:t>record</a:t>
+                      </a:r>
+                      <a:endParaRPr lang="ko-KR" altLang="en-US" sz="1600" b="1" dirty="0"/>
+                    </a:p>
+                  </a:txBody>
+                  <a:tcPr/>
+                </a:tc>
+                <a:extLst>
+                  <a:ext uri="{0D108BD9-81ED-4DB2-BD59-A6C34878D82A}">
+                    <a16:rowId xmlns:a16="http://schemas.microsoft.com/office/drawing/2014/main" val="411756001"/>
                   </a:ext>
                 </a:extLst>
               </a:tr>
@@ -8570,7 +8788,7 @@
                 <a:latin typeface="+mj-lt"/>
                 <a:ea typeface="나눔고딕" pitchFamily="50" charset="-127"/>
               </a:rPr>
-              <a:t> / 25</a:t>
+              <a:t> / 26</a:t>
             </a:r>
           </a:p>
         </p:txBody>
@@ -10026,7 +10244,7 @@
                 <a:latin typeface="+mj-lt"/>
                 <a:ea typeface="나눔고딕" pitchFamily="50" charset="-127"/>
               </a:rPr>
-              <a:t> / 25</a:t>
+              <a:t> / 26</a:t>
             </a:r>
           </a:p>
         </p:txBody>
@@ -10409,7 +10627,7 @@
                   <a:schemeClr val="bg1"/>
                 </a:solidFill>
               </a:rPr>
-              <a:t>mailTimer</a:t>
+              <a:t>reactTimer</a:t>
             </a:r>
             <a:r>
               <a:rPr lang="en-US" altLang="ko-KR" sz="2000" b="1" dirty="0">
@@ -10536,8 +10754,12 @@
           <a:p>
             <a:pPr algn="ctr"/>
             <a:r>
-              <a:rPr lang="en-US" altLang="ko-KR" sz="2000" b="1" dirty="0" err="1"/>
-              <a:t>sendEmail</a:t>
+              <a:rPr lang="en-US" altLang="ko-KR" sz="2000" b="1" dirty="0" err="1">
+                <a:solidFill>
+                  <a:schemeClr val="bg1"/>
+                </a:solidFill>
+              </a:rPr>
+              <a:t>nextPush</a:t>
             </a:r>
             <a:r>
               <a:rPr lang="en-US" altLang="ko-KR" sz="2000" b="1" dirty="0">
@@ -10773,7 +10995,7 @@
         <p:spPr>
           <a:xfrm>
             <a:off x="4419980" y="5891112"/>
-            <a:ext cx="601447" cy="307777"/>
+            <a:ext cx="790601" cy="307777"/>
           </a:xfrm>
           <a:prstGeom prst="rect">
             <a:avLst/>
@@ -10788,7 +11010,7 @@
           <a:p>
             <a:r>
               <a:rPr lang="en-US" altLang="ko-KR" sz="1400" b="1" dirty="0"/>
-              <a:t>Mail:</a:t>
+              <a:t>Notice:</a:t>
             </a:r>
             <a:endParaRPr lang="ko-KR" altLang="en-US" sz="1400" dirty="0"/>
           </a:p>
@@ -11101,8 +11323,8 @@
         </p:nvSpPr>
         <p:spPr>
           <a:xfrm>
-            <a:off x="7237303" y="5641331"/>
-            <a:ext cx="965329" cy="307777"/>
+            <a:off x="6922488" y="5448036"/>
+            <a:ext cx="1386918" cy="523220"/>
           </a:xfrm>
           <a:prstGeom prst="rect">
             <a:avLst/>
@@ -11110,14 +11332,14 @@
           <a:noFill/>
         </p:spPr>
         <p:txBody>
-          <a:bodyPr wrap="none" rtlCol="0">
+          <a:bodyPr wrap="square" rtlCol="0">
             <a:spAutoFit/>
           </a:bodyPr>
           <a:lstStyle/>
           <a:p>
             <a:r>
               <a:rPr lang="ko-KR" altLang="en-US" sz="1400" b="1" dirty="0"/>
-              <a:t>메일 전송</a:t>
+              <a:t>가족 및 지인 푸시 알림 전송</a:t>
             </a:r>
           </a:p>
         </p:txBody>
@@ -11426,7 +11648,7 @@
                 <a:latin typeface="+mj-lt"/>
                 <a:ea typeface="나눔고딕" pitchFamily="50" charset="-127"/>
               </a:rPr>
-              <a:t> / 25</a:t>
+              <a:t> / 26</a:t>
             </a:r>
           </a:p>
         </p:txBody>
@@ -12791,6 +13013,1726 @@
       </p:grpSpPr>
       <p:sp>
         <p:nvSpPr>
+          <p:cNvPr id="18" name="TextBox 17">
+            <a:extLst>
+              <a:ext uri="{FF2B5EF4-FFF2-40B4-BE49-F238E27FC236}">
+                <a16:creationId xmlns:a16="http://schemas.microsoft.com/office/drawing/2014/main" id="{E406F95D-4833-419D-9C57-B5403635B228}"/>
+              </a:ext>
+            </a:extLst>
+          </p:cNvPr>
+          <p:cNvSpPr txBox="1"/>
+          <p:nvPr/>
+        </p:nvSpPr>
+        <p:spPr>
+          <a:xfrm>
+            <a:off x="263455" y="195231"/>
+            <a:ext cx="1584176" cy="215444"/>
+          </a:xfrm>
+          <a:prstGeom prst="rect">
+            <a:avLst/>
+          </a:prstGeom>
+          <a:noFill/>
+        </p:spPr>
+        <p:txBody>
+          <a:bodyPr wrap="square" rtlCol="0">
+            <a:spAutoFit/>
+          </a:bodyPr>
+          <a:lstStyle/>
+          <a:p>
+            <a:r>
+              <a:rPr lang="en-US" altLang="ko-KR" sz="800" spc="-30" dirty="0">
+                <a:solidFill>
+                  <a:schemeClr val="tx1">
+                    <a:lumMod val="95000"/>
+                    <a:lumOff val="5000"/>
+                  </a:schemeClr>
+                </a:solidFill>
+                <a:latin typeface="+mj-lt"/>
+                <a:ea typeface="나눔고딕" pitchFamily="50" charset="-127"/>
+              </a:rPr>
+              <a:t>5.</a:t>
+            </a:r>
+            <a:r>
+              <a:rPr lang="ko-KR" altLang="en-US" sz="800" spc="-30" dirty="0">
+                <a:solidFill>
+                  <a:schemeClr val="tx1">
+                    <a:lumMod val="95000"/>
+                    <a:lumOff val="5000"/>
+                  </a:schemeClr>
+                </a:solidFill>
+                <a:latin typeface="+mj-lt"/>
+                <a:ea typeface="나눔고딕" pitchFamily="50" charset="-127"/>
+              </a:rPr>
+              <a:t>시스템 모듈 상세 설계 </a:t>
+            </a:r>
+            <a:endParaRPr lang="en-US" altLang="ko-KR" sz="800" spc="-30" dirty="0">
+              <a:solidFill>
+                <a:schemeClr val="tx1">
+                  <a:lumMod val="95000"/>
+                  <a:lumOff val="5000"/>
+                </a:schemeClr>
+              </a:solidFill>
+              <a:latin typeface="+mj-lt"/>
+              <a:ea typeface="나눔고딕" pitchFamily="50" charset="-127"/>
+            </a:endParaRPr>
+          </a:p>
+        </p:txBody>
+      </p:sp>
+      <p:cxnSp>
+        <p:nvCxnSpPr>
+          <p:cNvPr id="19" name="직선 연결선 18">
+            <a:extLst>
+              <a:ext uri="{FF2B5EF4-FFF2-40B4-BE49-F238E27FC236}">
+                <a16:creationId xmlns:a16="http://schemas.microsoft.com/office/drawing/2014/main" id="{BAC6C838-7B02-40A6-A8F6-36C755E770A6}"/>
+              </a:ext>
+            </a:extLst>
+          </p:cNvPr>
+          <p:cNvCxnSpPr/>
+          <p:nvPr/>
+        </p:nvCxnSpPr>
+        <p:spPr>
+          <a:xfrm>
+            <a:off x="364803" y="547859"/>
+            <a:ext cx="8406000" cy="0"/>
+          </a:xfrm>
+          <a:prstGeom prst="line">
+            <a:avLst/>
+          </a:prstGeom>
+          <a:ln w="3175">
+            <a:solidFill>
+              <a:schemeClr val="accent4">
+                <a:lumMod val="50000"/>
+              </a:schemeClr>
+            </a:solidFill>
+          </a:ln>
+        </p:spPr>
+        <p:style>
+          <a:lnRef idx="1">
+            <a:schemeClr val="accent1"/>
+          </a:lnRef>
+          <a:fillRef idx="0">
+            <a:schemeClr val="accent1"/>
+          </a:fillRef>
+          <a:effectRef idx="0">
+            <a:schemeClr val="accent1"/>
+          </a:effectRef>
+          <a:fontRef idx="minor">
+            <a:schemeClr val="tx1"/>
+          </a:fontRef>
+        </p:style>
+      </p:cxnSp>
+      <p:sp>
+        <p:nvSpPr>
+          <p:cNvPr id="20" name="제목 1">
+            <a:extLst>
+              <a:ext uri="{FF2B5EF4-FFF2-40B4-BE49-F238E27FC236}">
+                <a16:creationId xmlns:a16="http://schemas.microsoft.com/office/drawing/2014/main" id="{3F68CDF0-81CC-4D89-819D-5A68CFD6999B}"/>
+              </a:ext>
+            </a:extLst>
+          </p:cNvPr>
+          <p:cNvSpPr txBox="1">
+            <a:spLocks/>
+          </p:cNvSpPr>
+          <p:nvPr/>
+        </p:nvSpPr>
+        <p:spPr>
+          <a:xfrm>
+            <a:off x="256544" y="700126"/>
+            <a:ext cx="6995120" cy="580926"/>
+          </a:xfrm>
+          <a:prstGeom prst="rect">
+            <a:avLst/>
+          </a:prstGeom>
+        </p:spPr>
+        <p:txBody>
+          <a:bodyPr vert="horz" lIns="91440" tIns="45720" rIns="91440" bIns="45720" rtlCol="0" anchor="ctr">
+            <a:noAutofit/>
+          </a:bodyPr>
+          <a:lstStyle>
+            <a:lvl1pPr algn="ctr" defTabSz="914400" rtl="0" eaLnBrk="1" latinLnBrk="1" hangingPunct="1">
+              <a:spcBef>
+                <a:spcPct val="0"/>
+              </a:spcBef>
+              <a:buNone/>
+              <a:defRPr sz="4400" kern="1200">
+                <a:solidFill>
+                  <a:schemeClr val="tx1"/>
+                </a:solidFill>
+                <a:latin typeface="나눔고딕" pitchFamily="50" charset="-127"/>
+                <a:ea typeface="나눔고딕" pitchFamily="50" charset="-127"/>
+                <a:cs typeface="+mj-cs"/>
+              </a:defRPr>
+            </a:lvl1pPr>
+          </a:lstStyle>
+          <a:p>
+            <a:pPr algn="l">
+              <a:lnSpc>
+                <a:spcPct val="175000"/>
+              </a:lnSpc>
+            </a:pPr>
+            <a:r>
+              <a:rPr lang="ko-KR" altLang="en-US" sz="4000" b="1" spc="-50" dirty="0">
+                <a:solidFill>
+                  <a:schemeClr val="tx1">
+                    <a:lumMod val="75000"/>
+                    <a:lumOff val="25000"/>
+                  </a:schemeClr>
+                </a:solidFill>
+                <a:latin typeface="+mj-lt"/>
+                <a:ea typeface="+mj-ea"/>
+              </a:rPr>
+              <a:t>시스템 모듈 상세 설계</a:t>
+            </a:r>
+            <a:endParaRPr lang="en-US" altLang="ko-KR" sz="4000" b="1" spc="-50" dirty="0">
+              <a:solidFill>
+                <a:schemeClr val="tx1">
+                  <a:lumMod val="75000"/>
+                  <a:lumOff val="25000"/>
+                </a:schemeClr>
+              </a:solidFill>
+              <a:latin typeface="+mj-lt"/>
+              <a:ea typeface="+mj-ea"/>
+            </a:endParaRPr>
+          </a:p>
+        </p:txBody>
+      </p:sp>
+      <p:sp>
+        <p:nvSpPr>
+          <p:cNvPr id="21" name="TextBox 20">
+            <a:extLst>
+              <a:ext uri="{FF2B5EF4-FFF2-40B4-BE49-F238E27FC236}">
+                <a16:creationId xmlns:a16="http://schemas.microsoft.com/office/drawing/2014/main" id="{5AC8355B-E3E7-4233-BBDD-EDF6F043D68A}"/>
+              </a:ext>
+            </a:extLst>
+          </p:cNvPr>
+          <p:cNvSpPr txBox="1"/>
+          <p:nvPr/>
+        </p:nvSpPr>
+        <p:spPr>
+          <a:xfrm>
+            <a:off x="7277411" y="195231"/>
+            <a:ext cx="1584176" cy="215444"/>
+          </a:xfrm>
+          <a:prstGeom prst="rect">
+            <a:avLst/>
+          </a:prstGeom>
+          <a:noFill/>
+        </p:spPr>
+        <p:txBody>
+          <a:bodyPr wrap="square" rtlCol="0">
+            <a:spAutoFit/>
+          </a:bodyPr>
+          <a:lstStyle/>
+          <a:p>
+            <a:pPr algn="r"/>
+            <a:fld id="{DBA1376A-1BCE-4C3B-85BD-05D751D6B156}" type="slidenum">
+              <a:rPr lang="en-US" altLang="ko-KR" sz="800" spc="-30" smtClean="0">
+                <a:solidFill>
+                  <a:schemeClr val="tx1">
+                    <a:lumMod val="95000"/>
+                    <a:lumOff val="5000"/>
+                  </a:schemeClr>
+                </a:solidFill>
+                <a:latin typeface="+mj-lt"/>
+                <a:ea typeface="나눔고딕" pitchFamily="50" charset="-127"/>
+              </a:rPr>
+              <a:pPr algn="r"/>
+              <a:t>17</a:t>
+            </a:fld>
+            <a:r>
+              <a:rPr lang="en-US" altLang="ko-KR" sz="800" spc="-30" dirty="0">
+                <a:solidFill>
+                  <a:schemeClr val="tx1">
+                    <a:lumMod val="95000"/>
+                    <a:lumOff val="5000"/>
+                  </a:schemeClr>
+                </a:solidFill>
+                <a:latin typeface="+mj-lt"/>
+                <a:ea typeface="나눔고딕" pitchFamily="50" charset="-127"/>
+              </a:rPr>
+              <a:t> / 26</a:t>
+            </a:r>
+          </a:p>
+        </p:txBody>
+      </p:sp>
+      <p:sp>
+        <p:nvSpPr>
+          <p:cNvPr id="6" name="TextBox 5">
+            <a:extLst>
+              <a:ext uri="{FF2B5EF4-FFF2-40B4-BE49-F238E27FC236}">
+                <a16:creationId xmlns:a16="http://schemas.microsoft.com/office/drawing/2014/main" id="{295C172C-1A68-491C-9A2F-35B55BC2D589}"/>
+              </a:ext>
+            </a:extLst>
+          </p:cNvPr>
+          <p:cNvSpPr txBox="1"/>
+          <p:nvPr/>
+        </p:nvSpPr>
+        <p:spPr>
+          <a:xfrm>
+            <a:off x="472220" y="1588886"/>
+            <a:ext cx="2404330" cy="400110"/>
+          </a:xfrm>
+          <a:prstGeom prst="rect">
+            <a:avLst/>
+          </a:prstGeom>
+          <a:noFill/>
+        </p:spPr>
+        <p:txBody>
+          <a:bodyPr wrap="square" rtlCol="0">
+            <a:spAutoFit/>
+          </a:bodyPr>
+          <a:lstStyle/>
+          <a:p>
+            <a:r>
+              <a:rPr lang="ko-KR" altLang="en-US" sz="2000" b="1" dirty="0" err="1"/>
+              <a:t>서보모터</a:t>
+            </a:r>
+            <a:r>
+              <a:rPr lang="ko-KR" altLang="en-US" sz="2000" b="1" dirty="0"/>
+              <a:t> 제어</a:t>
+            </a:r>
+          </a:p>
+        </p:txBody>
+      </p:sp>
+      <p:grpSp>
+        <p:nvGrpSpPr>
+          <p:cNvPr id="4" name="그룹 3">
+            <a:extLst>
+              <a:ext uri="{FF2B5EF4-FFF2-40B4-BE49-F238E27FC236}">
+                <a16:creationId xmlns:a16="http://schemas.microsoft.com/office/drawing/2014/main" id="{FD05F781-5779-4671-9292-874B4EDCCA33}"/>
+              </a:ext>
+            </a:extLst>
+          </p:cNvPr>
+          <p:cNvGrpSpPr/>
+          <p:nvPr/>
+        </p:nvGrpSpPr>
+        <p:grpSpPr>
+          <a:xfrm>
+            <a:off x="1611927" y="2246144"/>
+            <a:ext cx="5921674" cy="1519805"/>
+            <a:chOff x="849190" y="2020837"/>
+            <a:chExt cx="7175471" cy="2127859"/>
+          </a:xfrm>
+        </p:grpSpPr>
+        <p:sp>
+          <p:nvSpPr>
+            <p:cNvPr id="35" name="사각형: 둥근 모서리 34">
+              <a:extLst>
+                <a:ext uri="{FF2B5EF4-FFF2-40B4-BE49-F238E27FC236}">
+                  <a16:creationId xmlns:a16="http://schemas.microsoft.com/office/drawing/2014/main" id="{E8C3E8F0-4625-489A-B144-3131A9CFDB8F}"/>
+                </a:ext>
+              </a:extLst>
+            </p:cNvPr>
+            <p:cNvSpPr/>
+            <p:nvPr/>
+          </p:nvSpPr>
+          <p:spPr>
+            <a:xfrm>
+              <a:off x="2265174" y="2045751"/>
+              <a:ext cx="4483735" cy="480105"/>
+            </a:xfrm>
+            <a:prstGeom prst="roundRect">
+              <a:avLst/>
+            </a:prstGeom>
+          </p:spPr>
+          <p:style>
+            <a:lnRef idx="2">
+              <a:schemeClr val="accent1">
+                <a:shade val="50000"/>
+              </a:schemeClr>
+            </a:lnRef>
+            <a:fillRef idx="1">
+              <a:schemeClr val="accent1"/>
+            </a:fillRef>
+            <a:effectRef idx="0">
+              <a:schemeClr val="accent1"/>
+            </a:effectRef>
+            <a:fontRef idx="minor">
+              <a:schemeClr val="lt1"/>
+            </a:fontRef>
+          </p:style>
+          <p:txBody>
+            <a:bodyPr rtlCol="0" anchor="ctr"/>
+            <a:lstStyle/>
+            <a:p>
+              <a:pPr algn="ctr"/>
+              <a:r>
+                <a:rPr lang="en-US" altLang="ko-KR" sz="2000" b="1" dirty="0"/>
+                <a:t>motor</a:t>
+              </a:r>
+              <a:r>
+                <a:rPr lang="en-US" altLang="ko-KR" sz="2000" b="1" dirty="0">
+                  <a:solidFill>
+                    <a:schemeClr val="bg1"/>
+                  </a:solidFill>
+                </a:rPr>
+                <a:t>(</a:t>
+              </a:r>
+              <a:r>
+                <a:rPr lang="en-US" altLang="ko-KR" sz="1000" b="1" dirty="0">
+                  <a:solidFill>
+                    <a:schemeClr val="bg1"/>
+                  </a:solidFill>
+                </a:rPr>
+                <a:t> </a:t>
+              </a:r>
+              <a:r>
+                <a:rPr lang="en-US" altLang="ko-KR" sz="2000" b="1" dirty="0">
+                  <a:solidFill>
+                    <a:schemeClr val="bg1"/>
+                  </a:solidFill>
+                </a:rPr>
+                <a:t>)</a:t>
+              </a:r>
+              <a:endParaRPr lang="ko-KR" altLang="en-US" sz="2000" b="1" dirty="0"/>
+            </a:p>
+          </p:txBody>
+        </p:sp>
+        <p:sp>
+          <p:nvSpPr>
+            <p:cNvPr id="38" name="화살표: 아래쪽 37">
+              <a:extLst>
+                <a:ext uri="{FF2B5EF4-FFF2-40B4-BE49-F238E27FC236}">
+                  <a16:creationId xmlns:a16="http://schemas.microsoft.com/office/drawing/2014/main" id="{DC8627A8-C008-4CFD-82A7-F4AF04FC187A}"/>
+                </a:ext>
+              </a:extLst>
+            </p:cNvPr>
+            <p:cNvSpPr/>
+            <p:nvPr/>
+          </p:nvSpPr>
+          <p:spPr>
+            <a:xfrm rot="2532035">
+              <a:off x="2259473" y="2654224"/>
+              <a:ext cx="332041" cy="644695"/>
+            </a:xfrm>
+            <a:prstGeom prst="downArrow">
+              <a:avLst/>
+            </a:prstGeom>
+            <a:solidFill>
+              <a:schemeClr val="tx1"/>
+            </a:solidFill>
+            <a:ln>
+              <a:solidFill>
+                <a:schemeClr val="tx1"/>
+              </a:solidFill>
+            </a:ln>
+          </p:spPr>
+          <p:style>
+            <a:lnRef idx="2">
+              <a:schemeClr val="accent1">
+                <a:shade val="50000"/>
+              </a:schemeClr>
+            </a:lnRef>
+            <a:fillRef idx="1">
+              <a:schemeClr val="accent1"/>
+            </a:fillRef>
+            <a:effectRef idx="0">
+              <a:schemeClr val="accent1"/>
+            </a:effectRef>
+            <a:fontRef idx="minor">
+              <a:schemeClr val="lt1"/>
+            </a:fontRef>
+          </p:style>
+          <p:txBody>
+            <a:bodyPr rtlCol="0" anchor="ctr"/>
+            <a:lstStyle/>
+            <a:p>
+              <a:pPr algn="ctr"/>
+              <a:endParaRPr lang="ko-KR" altLang="en-US"/>
+            </a:p>
+          </p:txBody>
+        </p:sp>
+        <p:sp>
+          <p:nvSpPr>
+            <p:cNvPr id="40" name="화살표: 아래쪽 39">
+              <a:extLst>
+                <a:ext uri="{FF2B5EF4-FFF2-40B4-BE49-F238E27FC236}">
+                  <a16:creationId xmlns:a16="http://schemas.microsoft.com/office/drawing/2014/main" id="{1AFCBC17-941D-4D56-8D59-11808D5A37CC}"/>
+                </a:ext>
+              </a:extLst>
+            </p:cNvPr>
+            <p:cNvSpPr/>
+            <p:nvPr/>
+          </p:nvSpPr>
+          <p:spPr>
+            <a:xfrm rot="1276625">
+              <a:off x="3639376" y="2710660"/>
+              <a:ext cx="307498" cy="587405"/>
+            </a:xfrm>
+            <a:prstGeom prst="downArrow">
+              <a:avLst/>
+            </a:prstGeom>
+            <a:solidFill>
+              <a:schemeClr val="tx1"/>
+            </a:solidFill>
+            <a:ln>
+              <a:solidFill>
+                <a:schemeClr val="tx1"/>
+              </a:solidFill>
+            </a:ln>
+          </p:spPr>
+          <p:style>
+            <a:lnRef idx="2">
+              <a:schemeClr val="accent1">
+                <a:shade val="50000"/>
+              </a:schemeClr>
+            </a:lnRef>
+            <a:fillRef idx="1">
+              <a:schemeClr val="accent1"/>
+            </a:fillRef>
+            <a:effectRef idx="0">
+              <a:schemeClr val="accent1"/>
+            </a:effectRef>
+            <a:fontRef idx="minor">
+              <a:schemeClr val="lt1"/>
+            </a:fontRef>
+          </p:style>
+          <p:txBody>
+            <a:bodyPr rtlCol="0" anchor="ctr"/>
+            <a:lstStyle/>
+            <a:p>
+              <a:pPr algn="ctr"/>
+              <a:endParaRPr lang="ko-KR" altLang="en-US"/>
+            </a:p>
+          </p:txBody>
+        </p:sp>
+        <p:sp>
+          <p:nvSpPr>
+            <p:cNvPr id="41" name="사각형: 둥근 모서리 40">
+              <a:extLst>
+                <a:ext uri="{FF2B5EF4-FFF2-40B4-BE49-F238E27FC236}">
+                  <a16:creationId xmlns:a16="http://schemas.microsoft.com/office/drawing/2014/main" id="{179243DA-4F72-4906-B8E1-8A8BBA248A38}"/>
+                </a:ext>
+              </a:extLst>
+            </p:cNvPr>
+            <p:cNvSpPr/>
+            <p:nvPr/>
+          </p:nvSpPr>
+          <p:spPr>
+            <a:xfrm>
+              <a:off x="924377" y="3509133"/>
+              <a:ext cx="1583037" cy="614171"/>
+            </a:xfrm>
+            <a:prstGeom prst="roundRect">
+              <a:avLst/>
+            </a:prstGeom>
+          </p:spPr>
+          <p:style>
+            <a:lnRef idx="2">
+              <a:schemeClr val="accent1">
+                <a:shade val="50000"/>
+              </a:schemeClr>
+            </a:lnRef>
+            <a:fillRef idx="1">
+              <a:schemeClr val="accent1"/>
+            </a:fillRef>
+            <a:effectRef idx="0">
+              <a:schemeClr val="accent1"/>
+            </a:effectRef>
+            <a:fontRef idx="minor">
+              <a:schemeClr val="lt1"/>
+            </a:fontRef>
+          </p:style>
+          <p:txBody>
+            <a:bodyPr rtlCol="0" anchor="ctr"/>
+            <a:lstStyle/>
+            <a:p>
+              <a:pPr algn="ctr"/>
+              <a:r>
+                <a:rPr lang="en-US" altLang="ko-KR" sz="2000" b="1" dirty="0"/>
+                <a:t>up</a:t>
+              </a:r>
+              <a:r>
+                <a:rPr lang="en-US" altLang="ko-KR" sz="2000" b="1" dirty="0">
+                  <a:solidFill>
+                    <a:schemeClr val="bg1"/>
+                  </a:solidFill>
+                </a:rPr>
+                <a:t>(</a:t>
+              </a:r>
+              <a:r>
+                <a:rPr lang="en-US" altLang="ko-KR" sz="1000" b="1" dirty="0">
+                  <a:solidFill>
+                    <a:schemeClr val="bg1"/>
+                  </a:solidFill>
+                </a:rPr>
+                <a:t> </a:t>
+              </a:r>
+              <a:r>
+                <a:rPr lang="en-US" altLang="ko-KR" sz="2000" b="1" dirty="0">
+                  <a:solidFill>
+                    <a:schemeClr val="bg1"/>
+                  </a:solidFill>
+                </a:rPr>
+                <a:t>)</a:t>
+              </a:r>
+              <a:endParaRPr lang="ko-KR" altLang="en-US" sz="2000" b="1" dirty="0"/>
+            </a:p>
+          </p:txBody>
+        </p:sp>
+        <p:sp>
+          <p:nvSpPr>
+            <p:cNvPr id="16" name="화살표: 아래쪽 15">
+              <a:extLst>
+                <a:ext uri="{FF2B5EF4-FFF2-40B4-BE49-F238E27FC236}">
+                  <a16:creationId xmlns:a16="http://schemas.microsoft.com/office/drawing/2014/main" id="{83286AD1-6B21-4F39-BF7D-02E5BDD74272}"/>
+                </a:ext>
+              </a:extLst>
+            </p:cNvPr>
+            <p:cNvSpPr/>
+            <p:nvPr/>
+          </p:nvSpPr>
+          <p:spPr>
+            <a:xfrm rot="20538961">
+              <a:off x="5106274" y="2712999"/>
+              <a:ext cx="339565" cy="569745"/>
+            </a:xfrm>
+            <a:prstGeom prst="downArrow">
+              <a:avLst>
+                <a:gd name="adj1" fmla="val 50000"/>
+                <a:gd name="adj2" fmla="val 50000"/>
+              </a:avLst>
+            </a:prstGeom>
+            <a:solidFill>
+              <a:schemeClr val="tx1"/>
+            </a:solidFill>
+            <a:ln>
+              <a:solidFill>
+                <a:schemeClr val="tx1"/>
+              </a:solidFill>
+            </a:ln>
+          </p:spPr>
+          <p:style>
+            <a:lnRef idx="2">
+              <a:schemeClr val="accent1">
+                <a:shade val="50000"/>
+              </a:schemeClr>
+            </a:lnRef>
+            <a:fillRef idx="1">
+              <a:schemeClr val="accent1"/>
+            </a:fillRef>
+            <a:effectRef idx="0">
+              <a:schemeClr val="accent1"/>
+            </a:effectRef>
+            <a:fontRef idx="minor">
+              <a:schemeClr val="lt1"/>
+            </a:fontRef>
+          </p:style>
+          <p:txBody>
+            <a:bodyPr rtlCol="0" anchor="ctr"/>
+            <a:lstStyle/>
+            <a:p>
+              <a:pPr algn="ctr"/>
+              <a:endParaRPr lang="ko-KR" altLang="en-US"/>
+            </a:p>
+          </p:txBody>
+        </p:sp>
+        <p:sp>
+          <p:nvSpPr>
+            <p:cNvPr id="17" name="화살표: 아래쪽 16">
+              <a:extLst>
+                <a:ext uri="{FF2B5EF4-FFF2-40B4-BE49-F238E27FC236}">
+                  <a16:creationId xmlns:a16="http://schemas.microsoft.com/office/drawing/2014/main" id="{42E210CB-8C07-4BB4-AA81-5E578C9BBAC5}"/>
+                </a:ext>
+              </a:extLst>
+            </p:cNvPr>
+            <p:cNvSpPr/>
+            <p:nvPr/>
+          </p:nvSpPr>
+          <p:spPr>
+            <a:xfrm rot="19403819">
+              <a:off x="6519414" y="2653748"/>
+              <a:ext cx="298856" cy="624773"/>
+            </a:xfrm>
+            <a:prstGeom prst="downArrow">
+              <a:avLst/>
+            </a:prstGeom>
+            <a:solidFill>
+              <a:schemeClr val="tx1"/>
+            </a:solidFill>
+            <a:ln>
+              <a:solidFill>
+                <a:schemeClr val="tx1"/>
+              </a:solidFill>
+            </a:ln>
+          </p:spPr>
+          <p:style>
+            <a:lnRef idx="2">
+              <a:schemeClr val="accent1">
+                <a:shade val="50000"/>
+              </a:schemeClr>
+            </a:lnRef>
+            <a:fillRef idx="1">
+              <a:schemeClr val="accent1"/>
+            </a:fillRef>
+            <a:effectRef idx="0">
+              <a:schemeClr val="accent1"/>
+            </a:effectRef>
+            <a:fontRef idx="minor">
+              <a:schemeClr val="lt1"/>
+            </a:fontRef>
+          </p:style>
+          <p:txBody>
+            <a:bodyPr rtlCol="0" anchor="ctr"/>
+            <a:lstStyle/>
+            <a:p>
+              <a:pPr algn="ctr"/>
+              <a:endParaRPr lang="ko-KR" altLang="en-US"/>
+            </a:p>
+          </p:txBody>
+        </p:sp>
+        <p:sp>
+          <p:nvSpPr>
+            <p:cNvPr id="22" name="사각형: 둥근 모서리 21">
+              <a:extLst>
+                <a:ext uri="{FF2B5EF4-FFF2-40B4-BE49-F238E27FC236}">
+                  <a16:creationId xmlns:a16="http://schemas.microsoft.com/office/drawing/2014/main" id="{8F4A8F6D-AF2D-493F-9B1D-7C62FBA59049}"/>
+                </a:ext>
+              </a:extLst>
+            </p:cNvPr>
+            <p:cNvSpPr/>
+            <p:nvPr/>
+          </p:nvSpPr>
+          <p:spPr>
+            <a:xfrm>
+              <a:off x="2840671" y="3509133"/>
+              <a:ext cx="1583036" cy="629551"/>
+            </a:xfrm>
+            <a:prstGeom prst="roundRect">
+              <a:avLst/>
+            </a:prstGeom>
+          </p:spPr>
+          <p:style>
+            <a:lnRef idx="2">
+              <a:schemeClr val="accent1">
+                <a:shade val="50000"/>
+              </a:schemeClr>
+            </a:lnRef>
+            <a:fillRef idx="1">
+              <a:schemeClr val="accent1"/>
+            </a:fillRef>
+            <a:effectRef idx="0">
+              <a:schemeClr val="accent1"/>
+            </a:effectRef>
+            <a:fontRef idx="minor">
+              <a:schemeClr val="lt1"/>
+            </a:fontRef>
+          </p:style>
+          <p:txBody>
+            <a:bodyPr rtlCol="0" anchor="ctr"/>
+            <a:lstStyle/>
+            <a:p>
+              <a:pPr algn="ctr"/>
+              <a:r>
+                <a:rPr lang="en-US" altLang="ko-KR" sz="2000" b="1" dirty="0"/>
+                <a:t>down</a:t>
+              </a:r>
+              <a:r>
+                <a:rPr lang="en-US" altLang="ko-KR" sz="2000" b="1" dirty="0">
+                  <a:solidFill>
+                    <a:schemeClr val="bg1"/>
+                  </a:solidFill>
+                </a:rPr>
+                <a:t>(</a:t>
+              </a:r>
+              <a:r>
+                <a:rPr lang="en-US" altLang="ko-KR" sz="1000" b="1" dirty="0">
+                  <a:solidFill>
+                    <a:schemeClr val="bg1"/>
+                  </a:solidFill>
+                </a:rPr>
+                <a:t> </a:t>
+              </a:r>
+              <a:r>
+                <a:rPr lang="en-US" altLang="ko-KR" sz="2000" b="1" dirty="0">
+                  <a:solidFill>
+                    <a:schemeClr val="bg1"/>
+                  </a:solidFill>
+                </a:rPr>
+                <a:t>)</a:t>
+              </a:r>
+              <a:endParaRPr lang="ko-KR" altLang="en-US" sz="2000" b="1" dirty="0"/>
+            </a:p>
+          </p:txBody>
+        </p:sp>
+        <p:sp>
+          <p:nvSpPr>
+            <p:cNvPr id="23" name="사각형: 둥근 모서리 22">
+              <a:extLst>
+                <a:ext uri="{FF2B5EF4-FFF2-40B4-BE49-F238E27FC236}">
+                  <a16:creationId xmlns:a16="http://schemas.microsoft.com/office/drawing/2014/main" id="{357DDA7E-6A9E-4A75-8C0E-2B584DAD4830}"/>
+                </a:ext>
+              </a:extLst>
+            </p:cNvPr>
+            <p:cNvSpPr/>
+            <p:nvPr/>
+          </p:nvSpPr>
+          <p:spPr>
+            <a:xfrm>
+              <a:off x="4737180" y="3519145"/>
+              <a:ext cx="1460611" cy="629551"/>
+            </a:xfrm>
+            <a:prstGeom prst="roundRect">
+              <a:avLst/>
+            </a:prstGeom>
+          </p:spPr>
+          <p:style>
+            <a:lnRef idx="2">
+              <a:schemeClr val="accent1">
+                <a:shade val="50000"/>
+              </a:schemeClr>
+            </a:lnRef>
+            <a:fillRef idx="1">
+              <a:schemeClr val="accent1"/>
+            </a:fillRef>
+            <a:effectRef idx="0">
+              <a:schemeClr val="accent1"/>
+            </a:effectRef>
+            <a:fontRef idx="minor">
+              <a:schemeClr val="lt1"/>
+            </a:fontRef>
+          </p:style>
+          <p:txBody>
+            <a:bodyPr rtlCol="0" anchor="ctr"/>
+            <a:lstStyle/>
+            <a:p>
+              <a:pPr algn="ctr"/>
+              <a:r>
+                <a:rPr lang="en-US" altLang="ko-KR" sz="2000" b="1" dirty="0"/>
+                <a:t>left</a:t>
+              </a:r>
+              <a:r>
+                <a:rPr lang="en-US" altLang="ko-KR" sz="2000" b="1" dirty="0">
+                  <a:solidFill>
+                    <a:schemeClr val="bg1"/>
+                  </a:solidFill>
+                </a:rPr>
+                <a:t>(</a:t>
+              </a:r>
+              <a:r>
+                <a:rPr lang="en-US" altLang="ko-KR" sz="1000" b="1" dirty="0">
+                  <a:solidFill>
+                    <a:schemeClr val="bg1"/>
+                  </a:solidFill>
+                </a:rPr>
+                <a:t> </a:t>
+              </a:r>
+              <a:r>
+                <a:rPr lang="en-US" altLang="ko-KR" sz="2000" b="1" dirty="0">
+                  <a:solidFill>
+                    <a:schemeClr val="bg1"/>
+                  </a:solidFill>
+                </a:rPr>
+                <a:t>)</a:t>
+              </a:r>
+              <a:endParaRPr lang="ko-KR" altLang="en-US" sz="2000" b="1" dirty="0"/>
+            </a:p>
+          </p:txBody>
+        </p:sp>
+        <p:sp>
+          <p:nvSpPr>
+            <p:cNvPr id="24" name="사각형: 둥근 모서리 23">
+              <a:extLst>
+                <a:ext uri="{FF2B5EF4-FFF2-40B4-BE49-F238E27FC236}">
+                  <a16:creationId xmlns:a16="http://schemas.microsoft.com/office/drawing/2014/main" id="{CC5B729D-92E2-4015-82A7-8AA628454BF2}"/>
+                </a:ext>
+              </a:extLst>
+            </p:cNvPr>
+            <p:cNvSpPr/>
+            <p:nvPr/>
+          </p:nvSpPr>
+          <p:spPr>
+            <a:xfrm>
+              <a:off x="6564049" y="3510075"/>
+              <a:ext cx="1460612" cy="629551"/>
+            </a:xfrm>
+            <a:prstGeom prst="roundRect">
+              <a:avLst/>
+            </a:prstGeom>
+          </p:spPr>
+          <p:style>
+            <a:lnRef idx="2">
+              <a:schemeClr val="accent1">
+                <a:shade val="50000"/>
+              </a:schemeClr>
+            </a:lnRef>
+            <a:fillRef idx="1">
+              <a:schemeClr val="accent1"/>
+            </a:fillRef>
+            <a:effectRef idx="0">
+              <a:schemeClr val="accent1"/>
+            </a:effectRef>
+            <a:fontRef idx="minor">
+              <a:schemeClr val="lt1"/>
+            </a:fontRef>
+          </p:style>
+          <p:txBody>
+            <a:bodyPr rtlCol="0" anchor="ctr"/>
+            <a:lstStyle/>
+            <a:p>
+              <a:pPr algn="ctr"/>
+              <a:r>
+                <a:rPr lang="en-US" altLang="ko-KR" sz="2000" b="1" dirty="0"/>
+                <a:t>right</a:t>
+              </a:r>
+              <a:r>
+                <a:rPr lang="en-US" altLang="ko-KR" sz="2000" b="1" dirty="0">
+                  <a:solidFill>
+                    <a:schemeClr val="bg1"/>
+                  </a:solidFill>
+                </a:rPr>
+                <a:t>(</a:t>
+              </a:r>
+              <a:r>
+                <a:rPr lang="en-US" altLang="ko-KR" sz="1000" b="1" dirty="0">
+                  <a:solidFill>
+                    <a:schemeClr val="bg1"/>
+                  </a:solidFill>
+                </a:rPr>
+                <a:t> </a:t>
+              </a:r>
+              <a:r>
+                <a:rPr lang="en-US" altLang="ko-KR" sz="2000" b="1" dirty="0">
+                  <a:solidFill>
+                    <a:schemeClr val="bg1"/>
+                  </a:solidFill>
+                </a:rPr>
+                <a:t>)</a:t>
+              </a:r>
+              <a:endParaRPr lang="ko-KR" altLang="en-US" sz="2000" b="1" dirty="0"/>
+            </a:p>
+          </p:txBody>
+        </p:sp>
+        <p:sp>
+          <p:nvSpPr>
+            <p:cNvPr id="26" name="TextBox 25">
+              <a:extLst>
+                <a:ext uri="{FF2B5EF4-FFF2-40B4-BE49-F238E27FC236}">
+                  <a16:creationId xmlns:a16="http://schemas.microsoft.com/office/drawing/2014/main" id="{87442572-DBA3-4716-9D04-9DD9F8EC5DF1}"/>
+                </a:ext>
+              </a:extLst>
+            </p:cNvPr>
+            <p:cNvSpPr txBox="1"/>
+            <p:nvPr/>
+          </p:nvSpPr>
+          <p:spPr>
+            <a:xfrm>
+              <a:off x="2228356" y="2020837"/>
+              <a:ext cx="864760" cy="430915"/>
+            </a:xfrm>
+            <a:prstGeom prst="rect">
+              <a:avLst/>
+            </a:prstGeom>
+            <a:noFill/>
+          </p:spPr>
+          <p:txBody>
+            <a:bodyPr wrap="none" rtlCol="0">
+              <a:spAutoFit/>
+            </a:bodyPr>
+            <a:lstStyle/>
+            <a:p>
+              <a:r>
+                <a:rPr lang="en-US" altLang="ko-KR" sz="1100" b="1" dirty="0" err="1"/>
+                <a:t>Connet</a:t>
+              </a:r>
+              <a:r>
+                <a:rPr lang="en-US" altLang="ko-KR" sz="1400" b="1" dirty="0"/>
+                <a:t>:</a:t>
+              </a:r>
+              <a:endParaRPr lang="ko-KR" altLang="en-US" sz="1400" dirty="0"/>
+            </a:p>
+          </p:txBody>
+        </p:sp>
+        <p:sp>
+          <p:nvSpPr>
+            <p:cNvPr id="27" name="TextBox 26">
+              <a:extLst>
+                <a:ext uri="{FF2B5EF4-FFF2-40B4-BE49-F238E27FC236}">
+                  <a16:creationId xmlns:a16="http://schemas.microsoft.com/office/drawing/2014/main" id="{A6D15185-9771-4D6A-B8C1-32ED070FB1CD}"/>
+                </a:ext>
+              </a:extLst>
+            </p:cNvPr>
+            <p:cNvSpPr txBox="1"/>
+            <p:nvPr/>
+          </p:nvSpPr>
+          <p:spPr>
+            <a:xfrm>
+              <a:off x="849190" y="3431734"/>
+              <a:ext cx="639441" cy="280094"/>
+            </a:xfrm>
+            <a:prstGeom prst="rect">
+              <a:avLst/>
+            </a:prstGeom>
+            <a:noFill/>
+          </p:spPr>
+          <p:txBody>
+            <a:bodyPr wrap="none" rtlCol="0">
+              <a:spAutoFit/>
+            </a:bodyPr>
+            <a:lstStyle/>
+            <a:p>
+              <a:r>
+                <a:rPr lang="en-US" altLang="ko-KR" sz="700" b="1" dirty="0"/>
+                <a:t>Control:</a:t>
+              </a:r>
+              <a:endParaRPr lang="ko-KR" altLang="en-US" sz="700" dirty="0"/>
+            </a:p>
+          </p:txBody>
+        </p:sp>
+        <p:sp>
+          <p:nvSpPr>
+            <p:cNvPr id="28" name="TextBox 27">
+              <a:extLst>
+                <a:ext uri="{FF2B5EF4-FFF2-40B4-BE49-F238E27FC236}">
+                  <a16:creationId xmlns:a16="http://schemas.microsoft.com/office/drawing/2014/main" id="{D55C6700-347D-490B-95B5-B6BDE978D8D7}"/>
+                </a:ext>
+              </a:extLst>
+            </p:cNvPr>
+            <p:cNvSpPr txBox="1"/>
+            <p:nvPr/>
+          </p:nvSpPr>
+          <p:spPr>
+            <a:xfrm>
+              <a:off x="2763502" y="3440816"/>
+              <a:ext cx="639441" cy="280094"/>
+            </a:xfrm>
+            <a:prstGeom prst="rect">
+              <a:avLst/>
+            </a:prstGeom>
+            <a:noFill/>
+          </p:spPr>
+          <p:txBody>
+            <a:bodyPr wrap="none" rtlCol="0">
+              <a:spAutoFit/>
+            </a:bodyPr>
+            <a:lstStyle/>
+            <a:p>
+              <a:r>
+                <a:rPr lang="en-US" altLang="ko-KR" sz="700" b="1" dirty="0"/>
+                <a:t>Control:</a:t>
+              </a:r>
+              <a:endParaRPr lang="ko-KR" altLang="en-US" sz="700" dirty="0"/>
+            </a:p>
+          </p:txBody>
+        </p:sp>
+        <p:sp>
+          <p:nvSpPr>
+            <p:cNvPr id="29" name="TextBox 28">
+              <a:extLst>
+                <a:ext uri="{FF2B5EF4-FFF2-40B4-BE49-F238E27FC236}">
+                  <a16:creationId xmlns:a16="http://schemas.microsoft.com/office/drawing/2014/main" id="{3C3BFCB9-1266-4EFF-AA58-3E82F49068C5}"/>
+                </a:ext>
+              </a:extLst>
+            </p:cNvPr>
+            <p:cNvSpPr txBox="1"/>
+            <p:nvPr/>
+          </p:nvSpPr>
+          <p:spPr>
+            <a:xfrm>
+              <a:off x="4650890" y="3449897"/>
+              <a:ext cx="639441" cy="280094"/>
+            </a:xfrm>
+            <a:prstGeom prst="rect">
+              <a:avLst/>
+            </a:prstGeom>
+            <a:noFill/>
+          </p:spPr>
+          <p:txBody>
+            <a:bodyPr wrap="none" rtlCol="0">
+              <a:spAutoFit/>
+            </a:bodyPr>
+            <a:lstStyle/>
+            <a:p>
+              <a:r>
+                <a:rPr lang="en-US" altLang="ko-KR" sz="700" b="1" dirty="0"/>
+                <a:t>Control:</a:t>
+              </a:r>
+              <a:endParaRPr lang="ko-KR" altLang="en-US" sz="700" dirty="0"/>
+            </a:p>
+          </p:txBody>
+        </p:sp>
+        <p:sp>
+          <p:nvSpPr>
+            <p:cNvPr id="30" name="TextBox 29">
+              <a:extLst>
+                <a:ext uri="{FF2B5EF4-FFF2-40B4-BE49-F238E27FC236}">
+                  <a16:creationId xmlns:a16="http://schemas.microsoft.com/office/drawing/2014/main" id="{15CB3C85-CFD0-4400-8008-785102939B08}"/>
+                </a:ext>
+              </a:extLst>
+            </p:cNvPr>
+            <p:cNvSpPr txBox="1"/>
+            <p:nvPr/>
+          </p:nvSpPr>
+          <p:spPr>
+            <a:xfrm>
+              <a:off x="6478365" y="3450341"/>
+              <a:ext cx="639441" cy="280094"/>
+            </a:xfrm>
+            <a:prstGeom prst="rect">
+              <a:avLst/>
+            </a:prstGeom>
+            <a:noFill/>
+          </p:spPr>
+          <p:txBody>
+            <a:bodyPr wrap="none" rtlCol="0">
+              <a:spAutoFit/>
+            </a:bodyPr>
+            <a:lstStyle/>
+            <a:p>
+              <a:r>
+                <a:rPr lang="en-US" altLang="ko-KR" sz="700" b="1" dirty="0"/>
+                <a:t>Control:</a:t>
+              </a:r>
+              <a:endParaRPr lang="ko-KR" altLang="en-US" sz="700" dirty="0"/>
+            </a:p>
+          </p:txBody>
+        </p:sp>
+      </p:grpSp>
+      <p:sp>
+        <p:nvSpPr>
+          <p:cNvPr id="43" name="TextBox 42">
+            <a:extLst>
+              <a:ext uri="{FF2B5EF4-FFF2-40B4-BE49-F238E27FC236}">
+                <a16:creationId xmlns:a16="http://schemas.microsoft.com/office/drawing/2014/main" id="{BEFE91A2-8460-4B82-B8B6-25E28E43A715}"/>
+              </a:ext>
+            </a:extLst>
+          </p:cNvPr>
+          <p:cNvSpPr txBox="1"/>
+          <p:nvPr/>
+        </p:nvSpPr>
+        <p:spPr>
+          <a:xfrm>
+            <a:off x="2800445" y="6054237"/>
+            <a:ext cx="3527762" cy="523220"/>
+          </a:xfrm>
+          <a:prstGeom prst="rect">
+            <a:avLst/>
+          </a:prstGeom>
+          <a:noFill/>
+        </p:spPr>
+        <p:txBody>
+          <a:bodyPr wrap="square" rtlCol="0">
+            <a:spAutoFit/>
+          </a:bodyPr>
+          <a:lstStyle/>
+          <a:p>
+            <a:pPr algn="ctr"/>
+            <a:r>
+              <a:rPr lang="ko-KR" altLang="en-US" sz="1400" b="1" dirty="0"/>
+              <a:t>모터의 위치 값을 설정해줌으로써 모터가 얼마만큼 이동할지 설정한다</a:t>
+            </a:r>
+            <a:r>
+              <a:rPr lang="en-US" altLang="ko-KR" sz="1400" b="1" dirty="0"/>
+              <a:t>.</a:t>
+            </a:r>
+          </a:p>
+        </p:txBody>
+      </p:sp>
+      <p:pic>
+        <p:nvPicPr>
+          <p:cNvPr id="3" name="그림 2">
+            <a:extLst>
+              <a:ext uri="{FF2B5EF4-FFF2-40B4-BE49-F238E27FC236}">
+                <a16:creationId xmlns:a16="http://schemas.microsoft.com/office/drawing/2014/main" id="{104DDEA4-0B64-44A8-82CB-4460D9509BE6}"/>
+              </a:ext>
+            </a:extLst>
+          </p:cNvPr>
+          <p:cNvPicPr>
+            <a:picLocks noChangeAspect="1"/>
+          </p:cNvPicPr>
+          <p:nvPr/>
+        </p:nvPicPr>
+        <p:blipFill>
+          <a:blip r:embed="rId2">
+            <a:extLst>
+              <a:ext uri="{28A0092B-C50C-407E-A947-70E740481C1C}">
+                <a14:useLocalDpi xmlns:a14="http://schemas.microsoft.com/office/drawing/2010/main" val="0"/>
+              </a:ext>
+            </a:extLst>
+          </a:blip>
+          <a:stretch>
+            <a:fillRect/>
+          </a:stretch>
+        </p:blipFill>
+        <p:spPr>
+          <a:xfrm>
+            <a:off x="1393549" y="4483096"/>
+            <a:ext cx="6777868" cy="305042"/>
+          </a:xfrm>
+          <a:prstGeom prst="rect">
+            <a:avLst/>
+          </a:prstGeom>
+          <a:solidFill>
+            <a:srgbClr val="FFFFFF">
+              <a:shade val="85000"/>
+            </a:srgbClr>
+          </a:solidFill>
+          <a:ln w="88900" cap="sq">
+            <a:solidFill>
+              <a:srgbClr val="FFFFFF"/>
+            </a:solidFill>
+            <a:miter lim="800000"/>
+          </a:ln>
+          <a:effectLst>
+            <a:outerShdw blurRad="55000" dist="18000" dir="5400000" algn="tl" rotWithShape="0">
+              <a:srgbClr val="000000">
+                <a:alpha val="40000"/>
+              </a:srgbClr>
+            </a:outerShdw>
+          </a:effectLst>
+          <a:scene3d>
+            <a:camera prst="orthographicFront"/>
+            <a:lightRig rig="twoPt" dir="t">
+              <a:rot lat="0" lon="0" rev="7200000"/>
+            </a:lightRig>
+          </a:scene3d>
+          <a:sp3d>
+            <a:bevelT w="25400" h="19050"/>
+            <a:contourClr>
+              <a:srgbClr val="FFFFFF"/>
+            </a:contourClr>
+          </a:sp3d>
+        </p:spPr>
+      </p:pic>
+      <p:sp>
+        <p:nvSpPr>
+          <p:cNvPr id="13" name="설명선: 선(강조선) 12">
+            <a:extLst>
+              <a:ext uri="{FF2B5EF4-FFF2-40B4-BE49-F238E27FC236}">
+                <a16:creationId xmlns:a16="http://schemas.microsoft.com/office/drawing/2014/main" id="{357B854B-3411-47FC-9C19-A1E0E4920A57}"/>
+              </a:ext>
+            </a:extLst>
+          </p:cNvPr>
+          <p:cNvSpPr/>
+          <p:nvPr/>
+        </p:nvSpPr>
+        <p:spPr>
+          <a:xfrm rot="16200000">
+            <a:off x="5680073" y="3917949"/>
+            <a:ext cx="288929" cy="1400174"/>
+          </a:xfrm>
+          <a:prstGeom prst="accentCallout1">
+            <a:avLst>
+              <a:gd name="adj1" fmla="val 53513"/>
+              <a:gd name="adj2" fmla="val -7016"/>
+              <a:gd name="adj3" fmla="val 126710"/>
+              <a:gd name="adj4" fmla="val -143449"/>
+            </a:avLst>
+          </a:prstGeom>
+          <a:noFill/>
+          <a:ln>
+            <a:solidFill>
+              <a:srgbClr val="C00000"/>
+            </a:solidFill>
+          </a:ln>
+        </p:spPr>
+        <p:style>
+          <a:lnRef idx="2">
+            <a:schemeClr val="accent1">
+              <a:shade val="50000"/>
+            </a:schemeClr>
+          </a:lnRef>
+          <a:fillRef idx="1">
+            <a:schemeClr val="accent1"/>
+          </a:fillRef>
+          <a:effectRef idx="0">
+            <a:schemeClr val="accent1"/>
+          </a:effectRef>
+          <a:fontRef idx="minor">
+            <a:schemeClr val="lt1"/>
+          </a:fontRef>
+        </p:style>
+        <p:txBody>
+          <a:bodyPr rtlCol="0" anchor="ctr"/>
+          <a:lstStyle/>
+          <a:p>
+            <a:pPr algn="ctr"/>
+            <a:endParaRPr lang="ko-KR" altLang="en-US" dirty="0"/>
+          </a:p>
+        </p:txBody>
+      </p:sp>
+      <p:sp>
+        <p:nvSpPr>
+          <p:cNvPr id="46" name="TextBox 45">
+            <a:extLst>
+              <a:ext uri="{FF2B5EF4-FFF2-40B4-BE49-F238E27FC236}">
+                <a16:creationId xmlns:a16="http://schemas.microsoft.com/office/drawing/2014/main" id="{B4D4F39E-A988-4187-860C-89C7B91C59BF}"/>
+              </a:ext>
+            </a:extLst>
+          </p:cNvPr>
+          <p:cNvSpPr txBox="1"/>
+          <p:nvPr/>
+        </p:nvSpPr>
+        <p:spPr>
+          <a:xfrm>
+            <a:off x="5922718" y="5234367"/>
+            <a:ext cx="2305175" cy="523220"/>
+          </a:xfrm>
+          <a:prstGeom prst="rect">
+            <a:avLst/>
+          </a:prstGeom>
+          <a:noFill/>
+        </p:spPr>
+        <p:txBody>
+          <a:bodyPr wrap="square" rtlCol="0">
+            <a:spAutoFit/>
+          </a:bodyPr>
+          <a:lstStyle/>
+          <a:p>
+            <a:pPr algn="ctr"/>
+            <a:r>
+              <a:rPr lang="en-US" altLang="ko-KR" sz="1400" b="1" dirty="0" err="1"/>
+              <a:t>ServoBlaster</a:t>
+            </a:r>
+            <a:r>
+              <a:rPr lang="en-US" altLang="ko-KR" sz="1400" b="1" dirty="0"/>
+              <a:t> </a:t>
+            </a:r>
+            <a:r>
+              <a:rPr lang="ko-KR" altLang="en-US" sz="1400" b="1" dirty="0"/>
+              <a:t>을 이용하여 </a:t>
+            </a:r>
+            <a:r>
+              <a:rPr lang="ko-KR" altLang="en-US" sz="1400" b="1" dirty="0" err="1"/>
+              <a:t>서보모터를</a:t>
+            </a:r>
+            <a:r>
+              <a:rPr lang="ko-KR" altLang="en-US" sz="1400" b="1" dirty="0"/>
+              <a:t> 제어한다</a:t>
+            </a:r>
+            <a:r>
+              <a:rPr lang="en-US" altLang="ko-KR" sz="1400" b="1" dirty="0"/>
+              <a:t>.</a:t>
+            </a:r>
+          </a:p>
+        </p:txBody>
+      </p:sp>
+      <p:sp>
+        <p:nvSpPr>
+          <p:cNvPr id="47" name="TextBox 46">
+            <a:extLst>
+              <a:ext uri="{FF2B5EF4-FFF2-40B4-BE49-F238E27FC236}">
+                <a16:creationId xmlns:a16="http://schemas.microsoft.com/office/drawing/2014/main" id="{B72CCFCE-2448-400F-8083-EAC80069A7CE}"/>
+              </a:ext>
+            </a:extLst>
+          </p:cNvPr>
+          <p:cNvSpPr txBox="1"/>
+          <p:nvPr/>
+        </p:nvSpPr>
+        <p:spPr>
+          <a:xfrm>
+            <a:off x="132014" y="5219329"/>
+            <a:ext cx="3431233" cy="523220"/>
+          </a:xfrm>
+          <a:prstGeom prst="rect">
+            <a:avLst/>
+          </a:prstGeom>
+          <a:noFill/>
+        </p:spPr>
+        <p:txBody>
+          <a:bodyPr wrap="square" rtlCol="0">
+            <a:spAutoFit/>
+          </a:bodyPr>
+          <a:lstStyle/>
+          <a:p>
+            <a:pPr algn="ctr"/>
+            <a:r>
+              <a:rPr lang="en-US" altLang="ko-KR" sz="1400" b="1" dirty="0"/>
+              <a:t>subprocess </a:t>
+            </a:r>
+            <a:r>
+              <a:rPr lang="ko-KR" altLang="en-US" sz="1400" b="1" dirty="0"/>
+              <a:t>의 </a:t>
+            </a:r>
+            <a:r>
+              <a:rPr lang="en-US" altLang="ko-KR" sz="1400" b="1" dirty="0"/>
+              <a:t>call() </a:t>
+            </a:r>
+            <a:r>
+              <a:rPr lang="ko-KR" altLang="en-US" sz="1400" b="1" dirty="0"/>
+              <a:t>메소드를 이용하여 </a:t>
+            </a:r>
+            <a:r>
+              <a:rPr lang="en-US" altLang="ko-KR" sz="1400" b="1" dirty="0" err="1"/>
+              <a:t>ServoBlaster</a:t>
+            </a:r>
+            <a:r>
+              <a:rPr lang="en-US" altLang="ko-KR" sz="1400" b="1" dirty="0"/>
+              <a:t> </a:t>
+            </a:r>
+            <a:r>
+              <a:rPr lang="ko-KR" altLang="en-US" sz="1400" b="1" dirty="0"/>
+              <a:t>을 이용한다</a:t>
+            </a:r>
+            <a:r>
+              <a:rPr lang="en-US" altLang="ko-KR" sz="1400" b="1" dirty="0"/>
+              <a:t>.</a:t>
+            </a:r>
+          </a:p>
+        </p:txBody>
+      </p:sp>
+      <p:sp>
+        <p:nvSpPr>
+          <p:cNvPr id="48" name="설명선: 선(강조선) 47">
+            <a:extLst>
+              <a:ext uri="{FF2B5EF4-FFF2-40B4-BE49-F238E27FC236}">
+                <a16:creationId xmlns:a16="http://schemas.microsoft.com/office/drawing/2014/main" id="{AB95DD40-CE83-4734-8357-2E814D575E1B}"/>
+              </a:ext>
+            </a:extLst>
+          </p:cNvPr>
+          <p:cNvSpPr/>
+          <p:nvPr/>
+        </p:nvSpPr>
+        <p:spPr>
+          <a:xfrm rot="16200000">
+            <a:off x="1507550" y="4405572"/>
+            <a:ext cx="272084" cy="408083"/>
+          </a:xfrm>
+          <a:prstGeom prst="accentCallout1">
+            <a:avLst>
+              <a:gd name="adj1" fmla="val 53513"/>
+              <a:gd name="adj2" fmla="val -7016"/>
+              <a:gd name="adj3" fmla="val -7364"/>
+              <a:gd name="adj4" fmla="val -156432"/>
+            </a:avLst>
+          </a:prstGeom>
+          <a:noFill/>
+          <a:ln>
+            <a:solidFill>
+              <a:srgbClr val="C00000"/>
+            </a:solidFill>
+          </a:ln>
+        </p:spPr>
+        <p:style>
+          <a:lnRef idx="2">
+            <a:schemeClr val="accent1">
+              <a:shade val="50000"/>
+            </a:schemeClr>
+          </a:lnRef>
+          <a:fillRef idx="1">
+            <a:schemeClr val="accent1"/>
+          </a:fillRef>
+          <a:effectRef idx="0">
+            <a:schemeClr val="accent1"/>
+          </a:effectRef>
+          <a:fontRef idx="minor">
+            <a:schemeClr val="lt1"/>
+          </a:fontRef>
+        </p:style>
+        <p:txBody>
+          <a:bodyPr rtlCol="0" anchor="ctr"/>
+          <a:lstStyle/>
+          <a:p>
+            <a:pPr algn="ctr"/>
+            <a:endParaRPr lang="ko-KR" altLang="en-US" dirty="0"/>
+          </a:p>
+        </p:txBody>
+      </p:sp>
+      <p:sp>
+        <p:nvSpPr>
+          <p:cNvPr id="49" name="설명선: 선(강조선) 48">
+            <a:extLst>
+              <a:ext uri="{FF2B5EF4-FFF2-40B4-BE49-F238E27FC236}">
+                <a16:creationId xmlns:a16="http://schemas.microsoft.com/office/drawing/2014/main" id="{1A3AAE20-347A-45FA-BD9D-5F14947C3ACE}"/>
+              </a:ext>
+            </a:extLst>
+          </p:cNvPr>
+          <p:cNvSpPr/>
+          <p:nvPr/>
+        </p:nvSpPr>
+        <p:spPr>
+          <a:xfrm rot="16200000">
+            <a:off x="3583411" y="4413995"/>
+            <a:ext cx="272084" cy="408083"/>
+          </a:xfrm>
+          <a:prstGeom prst="accentCallout1">
+            <a:avLst>
+              <a:gd name="adj1" fmla="val 53513"/>
+              <a:gd name="adj2" fmla="val -7016"/>
+              <a:gd name="adj3" fmla="val 149020"/>
+              <a:gd name="adj4" fmla="val -464498"/>
+            </a:avLst>
+          </a:prstGeom>
+          <a:noFill/>
+          <a:ln>
+            <a:solidFill>
+              <a:srgbClr val="C00000"/>
+            </a:solidFill>
+          </a:ln>
+        </p:spPr>
+        <p:style>
+          <a:lnRef idx="2">
+            <a:schemeClr val="accent1">
+              <a:shade val="50000"/>
+            </a:schemeClr>
+          </a:lnRef>
+          <a:fillRef idx="1">
+            <a:schemeClr val="accent1"/>
+          </a:fillRef>
+          <a:effectRef idx="0">
+            <a:schemeClr val="accent1"/>
+          </a:effectRef>
+          <a:fontRef idx="minor">
+            <a:schemeClr val="lt1"/>
+          </a:fontRef>
+        </p:style>
+        <p:txBody>
+          <a:bodyPr rtlCol="0" anchor="ctr"/>
+          <a:lstStyle/>
+          <a:p>
+            <a:pPr algn="ctr"/>
+            <a:endParaRPr lang="ko-KR" altLang="en-US" dirty="0"/>
+          </a:p>
+        </p:txBody>
+      </p:sp>
+      <p:sp>
+        <p:nvSpPr>
+          <p:cNvPr id="50" name="화살표: 아래쪽 49">
+            <a:extLst>
+              <a:ext uri="{FF2B5EF4-FFF2-40B4-BE49-F238E27FC236}">
+                <a16:creationId xmlns:a16="http://schemas.microsoft.com/office/drawing/2014/main" id="{BAF1B0E2-06B0-4432-BA24-229CDB3A0F93}"/>
+              </a:ext>
+            </a:extLst>
+          </p:cNvPr>
+          <p:cNvSpPr/>
+          <p:nvPr/>
+        </p:nvSpPr>
+        <p:spPr>
+          <a:xfrm>
+            <a:off x="2305050" y="3865242"/>
+            <a:ext cx="85726" cy="408259"/>
+          </a:xfrm>
+          <a:prstGeom prst="downArrow">
+            <a:avLst/>
+          </a:prstGeom>
+          <a:solidFill>
+            <a:schemeClr val="tx1"/>
+          </a:solidFill>
+          <a:ln>
+            <a:solidFill>
+              <a:schemeClr val="tx1"/>
+            </a:solidFill>
+          </a:ln>
+        </p:spPr>
+        <p:style>
+          <a:lnRef idx="2">
+            <a:schemeClr val="accent1">
+              <a:shade val="50000"/>
+            </a:schemeClr>
+          </a:lnRef>
+          <a:fillRef idx="1">
+            <a:schemeClr val="accent1"/>
+          </a:fillRef>
+          <a:effectRef idx="0">
+            <a:schemeClr val="accent1"/>
+          </a:effectRef>
+          <a:fontRef idx="minor">
+            <a:schemeClr val="lt1"/>
+          </a:fontRef>
+        </p:style>
+        <p:txBody>
+          <a:bodyPr rtlCol="0" anchor="ctr"/>
+          <a:lstStyle/>
+          <a:p>
+            <a:pPr algn="ctr"/>
+            <a:endParaRPr lang="ko-KR" altLang="en-US"/>
+          </a:p>
+        </p:txBody>
+      </p:sp>
+      <p:sp>
+        <p:nvSpPr>
+          <p:cNvPr id="52" name="화살표: 아래쪽 51">
+            <a:extLst>
+              <a:ext uri="{FF2B5EF4-FFF2-40B4-BE49-F238E27FC236}">
+                <a16:creationId xmlns:a16="http://schemas.microsoft.com/office/drawing/2014/main" id="{935B9E41-F28F-4C79-AD1A-C59B5E968EF1}"/>
+              </a:ext>
+            </a:extLst>
+          </p:cNvPr>
+          <p:cNvSpPr/>
+          <p:nvPr/>
+        </p:nvSpPr>
+        <p:spPr>
+          <a:xfrm>
+            <a:off x="3867150" y="3865242"/>
+            <a:ext cx="85726" cy="408259"/>
+          </a:xfrm>
+          <a:prstGeom prst="downArrow">
+            <a:avLst/>
+          </a:prstGeom>
+          <a:solidFill>
+            <a:schemeClr val="tx1"/>
+          </a:solidFill>
+          <a:ln>
+            <a:solidFill>
+              <a:schemeClr val="tx1"/>
+            </a:solidFill>
+          </a:ln>
+        </p:spPr>
+        <p:style>
+          <a:lnRef idx="2">
+            <a:schemeClr val="accent1">
+              <a:shade val="50000"/>
+            </a:schemeClr>
+          </a:lnRef>
+          <a:fillRef idx="1">
+            <a:schemeClr val="accent1"/>
+          </a:fillRef>
+          <a:effectRef idx="0">
+            <a:schemeClr val="accent1"/>
+          </a:effectRef>
+          <a:fontRef idx="minor">
+            <a:schemeClr val="lt1"/>
+          </a:fontRef>
+        </p:style>
+        <p:txBody>
+          <a:bodyPr rtlCol="0" anchor="ctr"/>
+          <a:lstStyle/>
+          <a:p>
+            <a:pPr algn="ctr"/>
+            <a:endParaRPr lang="ko-KR" altLang="en-US"/>
+          </a:p>
+        </p:txBody>
+      </p:sp>
+      <p:sp>
+        <p:nvSpPr>
+          <p:cNvPr id="53" name="화살표: 아래쪽 52">
+            <a:extLst>
+              <a:ext uri="{FF2B5EF4-FFF2-40B4-BE49-F238E27FC236}">
+                <a16:creationId xmlns:a16="http://schemas.microsoft.com/office/drawing/2014/main" id="{38D624B4-A102-4EFA-A077-F7C58CDB7336}"/>
+              </a:ext>
+            </a:extLst>
+          </p:cNvPr>
+          <p:cNvSpPr/>
+          <p:nvPr/>
+        </p:nvSpPr>
+        <p:spPr>
+          <a:xfrm>
+            <a:off x="5343525" y="3865242"/>
+            <a:ext cx="85726" cy="408259"/>
+          </a:xfrm>
+          <a:prstGeom prst="downArrow">
+            <a:avLst/>
+          </a:prstGeom>
+          <a:solidFill>
+            <a:schemeClr val="tx1"/>
+          </a:solidFill>
+          <a:ln>
+            <a:solidFill>
+              <a:schemeClr val="tx1"/>
+            </a:solidFill>
+          </a:ln>
+        </p:spPr>
+        <p:style>
+          <a:lnRef idx="2">
+            <a:schemeClr val="accent1">
+              <a:shade val="50000"/>
+            </a:schemeClr>
+          </a:lnRef>
+          <a:fillRef idx="1">
+            <a:schemeClr val="accent1"/>
+          </a:fillRef>
+          <a:effectRef idx="0">
+            <a:schemeClr val="accent1"/>
+          </a:effectRef>
+          <a:fontRef idx="minor">
+            <a:schemeClr val="lt1"/>
+          </a:fontRef>
+        </p:style>
+        <p:txBody>
+          <a:bodyPr rtlCol="0" anchor="ctr"/>
+          <a:lstStyle/>
+          <a:p>
+            <a:pPr algn="ctr"/>
+            <a:endParaRPr lang="ko-KR" altLang="en-US"/>
+          </a:p>
+        </p:txBody>
+      </p:sp>
+      <p:sp>
+        <p:nvSpPr>
+          <p:cNvPr id="54" name="화살표: 아래쪽 53">
+            <a:extLst>
+              <a:ext uri="{FF2B5EF4-FFF2-40B4-BE49-F238E27FC236}">
+                <a16:creationId xmlns:a16="http://schemas.microsoft.com/office/drawing/2014/main" id="{38280ED5-66C3-4E4E-9884-A787ED0ECC94}"/>
+              </a:ext>
+            </a:extLst>
+          </p:cNvPr>
+          <p:cNvSpPr/>
+          <p:nvPr/>
+        </p:nvSpPr>
+        <p:spPr>
+          <a:xfrm>
+            <a:off x="6838950" y="3865242"/>
+            <a:ext cx="85726" cy="408259"/>
+          </a:xfrm>
+          <a:prstGeom prst="downArrow">
+            <a:avLst/>
+          </a:prstGeom>
+          <a:solidFill>
+            <a:schemeClr val="tx1"/>
+          </a:solidFill>
+          <a:ln>
+            <a:solidFill>
+              <a:schemeClr val="tx1"/>
+            </a:solidFill>
+          </a:ln>
+        </p:spPr>
+        <p:style>
+          <a:lnRef idx="2">
+            <a:schemeClr val="accent1">
+              <a:shade val="50000"/>
+            </a:schemeClr>
+          </a:lnRef>
+          <a:fillRef idx="1">
+            <a:schemeClr val="accent1"/>
+          </a:fillRef>
+          <a:effectRef idx="0">
+            <a:schemeClr val="accent1"/>
+          </a:effectRef>
+          <a:fontRef idx="minor">
+            <a:schemeClr val="lt1"/>
+          </a:fontRef>
+        </p:style>
+        <p:txBody>
+          <a:bodyPr rtlCol="0" anchor="ctr"/>
+          <a:lstStyle/>
+          <a:p>
+            <a:pPr algn="ctr"/>
+            <a:endParaRPr lang="ko-KR" altLang="en-US"/>
+          </a:p>
+        </p:txBody>
+      </p:sp>
+    </p:spTree>
+    <p:extLst>
+      <p:ext uri="{BB962C8B-B14F-4D97-AF65-F5344CB8AC3E}">
+        <p14:creationId xmlns:p14="http://schemas.microsoft.com/office/powerpoint/2010/main" val="342615730"/>
+      </p:ext>
+    </p:extLst>
+  </p:cSld>
+  <p:clrMapOvr>
+    <a:masterClrMapping/>
+  </p:clrMapOvr>
+</p:sld>
+</file>
+
+<file path=ppt/slides/slide18.xml><?xml version="1.0" encoding="utf-8"?>
+<p:sld xmlns:a="http://schemas.openxmlformats.org/drawingml/2006/main" xmlns:r="http://schemas.openxmlformats.org/officeDocument/2006/relationships" xmlns:p="http://schemas.openxmlformats.org/presentationml/2006/main">
+  <p:cSld>
+    <p:spTree>
+      <p:nvGrpSpPr>
+        <p:cNvPr id="1" name=""/>
+        <p:cNvGrpSpPr/>
+        <p:nvPr/>
+      </p:nvGrpSpPr>
+      <p:grpSpPr>
+        <a:xfrm>
+          <a:off x="0" y="0"/>
+          <a:ext cx="0" cy="0"/>
+          <a:chOff x="0" y="0"/>
+          <a:chExt cx="0" cy="0"/>
+        </a:xfrm>
+      </p:grpSpPr>
+      <p:sp>
+        <p:nvSpPr>
           <p:cNvPr id="5" name="직사각형 4">
             <a:extLst>
               <a:ext uri="{FF2B5EF4-FFF2-40B4-BE49-F238E27FC236}">
@@ -14044,7 +15986,7 @@
                 <a:ea typeface="나눔고딕" pitchFamily="50" charset="-127"/>
               </a:rPr>
               <a:pPr algn="r"/>
-              <a:t>17</a:t>
+              <a:t>18</a:t>
             </a:fld>
             <a:r>
               <a:rPr lang="en-US" altLang="ko-KR" sz="800" spc="-30" dirty="0">
@@ -14057,7 +15999,7 @@
                 <a:latin typeface="나눔고딕" pitchFamily="50" charset="-127"/>
                 <a:ea typeface="나눔고딕" pitchFamily="50" charset="-127"/>
               </a:rPr>
-              <a:t> / 25</a:t>
+              <a:t> / 26</a:t>
             </a:r>
           </a:p>
         </p:txBody>
@@ -14136,384 +16078,6 @@
     <p:extLst>
       <p:ext uri="{BB962C8B-B14F-4D97-AF65-F5344CB8AC3E}">
         <p14:creationId xmlns:p14="http://schemas.microsoft.com/office/powerpoint/2010/main" val="2901061463"/>
-      </p:ext>
-    </p:extLst>
-  </p:cSld>
-  <p:clrMapOvr>
-    <a:masterClrMapping/>
-  </p:clrMapOvr>
-</p:sld>
-</file>
-
-<file path=ppt/slides/slide18.xml><?xml version="1.0" encoding="utf-8"?>
-<p:sld xmlns:a="http://schemas.openxmlformats.org/drawingml/2006/main" xmlns:r="http://schemas.openxmlformats.org/officeDocument/2006/relationships" xmlns:p="http://schemas.openxmlformats.org/presentationml/2006/main">
-  <p:cSld>
-    <p:spTree>
-      <p:nvGrpSpPr>
-        <p:cNvPr id="1" name=""/>
-        <p:cNvGrpSpPr/>
-        <p:nvPr/>
-      </p:nvGrpSpPr>
-      <p:grpSpPr>
-        <a:xfrm>
-          <a:off x="0" y="0"/>
-          <a:ext cx="0" cy="0"/>
-          <a:chOff x="0" y="0"/>
-          <a:chExt cx="0" cy="0"/>
-        </a:xfrm>
-      </p:grpSpPr>
-      <p:sp>
-        <p:nvSpPr>
-          <p:cNvPr id="5" name="TextBox 4"/>
-          <p:cNvSpPr txBox="1"/>
-          <p:nvPr/>
-        </p:nvSpPr>
-        <p:spPr>
-          <a:xfrm>
-            <a:off x="263455" y="195231"/>
-            <a:ext cx="1584176" cy="215444"/>
-          </a:xfrm>
-          <a:prstGeom prst="rect">
-            <a:avLst/>
-          </a:prstGeom>
-          <a:noFill/>
-        </p:spPr>
-        <p:txBody>
-          <a:bodyPr wrap="square" rtlCol="0">
-            <a:spAutoFit/>
-          </a:bodyPr>
-          <a:lstStyle/>
-          <a:p>
-            <a:r>
-              <a:rPr lang="en-US" altLang="ko-KR" sz="800" spc="-30" dirty="0">
-                <a:solidFill>
-                  <a:schemeClr val="tx1">
-                    <a:lumMod val="95000"/>
-                    <a:lumOff val="5000"/>
-                  </a:schemeClr>
-                </a:solidFill>
-                <a:latin typeface="나눔고딕" pitchFamily="50" charset="-127"/>
-                <a:ea typeface="나눔고딕" pitchFamily="50" charset="-127"/>
-              </a:rPr>
-              <a:t>6.</a:t>
-            </a:r>
-            <a:r>
-              <a:rPr lang="ko-KR" altLang="en-US" sz="800" spc="-30" dirty="0">
-                <a:solidFill>
-                  <a:schemeClr val="tx1">
-                    <a:lumMod val="95000"/>
-                    <a:lumOff val="5000"/>
-                  </a:schemeClr>
-                </a:solidFill>
-                <a:latin typeface="나눔고딕" pitchFamily="50" charset="-127"/>
-                <a:ea typeface="나눔고딕" pitchFamily="50" charset="-127"/>
-              </a:rPr>
-              <a:t>개발 환경 및 개발 방법 </a:t>
-            </a:r>
-            <a:endParaRPr lang="en-US" altLang="ko-KR" sz="800" spc="-30" dirty="0">
-              <a:solidFill>
-                <a:schemeClr val="tx1">
-                  <a:lumMod val="95000"/>
-                  <a:lumOff val="5000"/>
-                </a:schemeClr>
-              </a:solidFill>
-              <a:latin typeface="나눔고딕" pitchFamily="50" charset="-127"/>
-              <a:ea typeface="나눔고딕" pitchFamily="50" charset="-127"/>
-            </a:endParaRPr>
-          </a:p>
-        </p:txBody>
-      </p:sp>
-      <p:cxnSp>
-        <p:nvCxnSpPr>
-          <p:cNvPr id="20" name="직선 연결선 19"/>
-          <p:cNvCxnSpPr/>
-          <p:nvPr/>
-        </p:nvCxnSpPr>
-        <p:spPr>
-          <a:xfrm>
-            <a:off x="364803" y="547859"/>
-            <a:ext cx="8406000" cy="0"/>
-          </a:xfrm>
-          <a:prstGeom prst="line">
-            <a:avLst/>
-          </a:prstGeom>
-          <a:ln w="3175">
-            <a:solidFill>
-              <a:schemeClr val="accent4">
-                <a:lumMod val="50000"/>
-              </a:schemeClr>
-            </a:solidFill>
-          </a:ln>
-        </p:spPr>
-        <p:style>
-          <a:lnRef idx="1">
-            <a:schemeClr val="accent1"/>
-          </a:lnRef>
-          <a:fillRef idx="0">
-            <a:schemeClr val="accent1"/>
-          </a:fillRef>
-          <a:effectRef idx="0">
-            <a:schemeClr val="accent1"/>
-          </a:effectRef>
-          <a:fontRef idx="minor">
-            <a:schemeClr val="tx1"/>
-          </a:fontRef>
-        </p:style>
-      </p:cxnSp>
-      <p:sp>
-        <p:nvSpPr>
-          <p:cNvPr id="31" name="제목 1"/>
-          <p:cNvSpPr>
-            <a:spLocks noGrp="1"/>
-          </p:cNvSpPr>
-          <p:nvPr>
-            <p:ph type="title"/>
-          </p:nvPr>
-        </p:nvSpPr>
-        <p:spPr>
-          <a:xfrm>
-            <a:off x="256544" y="700126"/>
-            <a:ext cx="6995120" cy="580926"/>
-          </a:xfrm>
-        </p:spPr>
-        <p:txBody>
-          <a:bodyPr>
-            <a:noAutofit/>
-          </a:bodyPr>
-          <a:lstStyle/>
-          <a:p>
-            <a:pPr algn="l">
-              <a:lnSpc>
-                <a:spcPct val="175000"/>
-              </a:lnSpc>
-            </a:pPr>
-            <a:r>
-              <a:rPr lang="ko-KR" altLang="en-US" sz="4000" b="1" spc="-50" dirty="0">
-                <a:solidFill>
-                  <a:schemeClr val="tx1">
-                    <a:lumMod val="75000"/>
-                    <a:lumOff val="25000"/>
-                  </a:schemeClr>
-                </a:solidFill>
-                <a:latin typeface="+mj-ea"/>
-                <a:ea typeface="+mj-ea"/>
-              </a:rPr>
-              <a:t>개발 환경 및 개발 방법</a:t>
-            </a:r>
-            <a:endParaRPr lang="en-US" altLang="ko-KR" sz="4000" b="1" spc="-50" dirty="0">
-              <a:solidFill>
-                <a:schemeClr val="tx1">
-                  <a:lumMod val="75000"/>
-                  <a:lumOff val="25000"/>
-                </a:schemeClr>
-              </a:solidFill>
-              <a:latin typeface="+mj-ea"/>
-              <a:ea typeface="+mj-ea"/>
-            </a:endParaRPr>
-          </a:p>
-        </p:txBody>
-      </p:sp>
-      <p:sp>
-        <p:nvSpPr>
-          <p:cNvPr id="9" name="TextBox 8"/>
-          <p:cNvSpPr txBox="1"/>
-          <p:nvPr/>
-        </p:nvSpPr>
-        <p:spPr>
-          <a:xfrm>
-            <a:off x="7277411" y="195231"/>
-            <a:ext cx="1584176" cy="215444"/>
-          </a:xfrm>
-          <a:prstGeom prst="rect">
-            <a:avLst/>
-          </a:prstGeom>
-          <a:noFill/>
-        </p:spPr>
-        <p:txBody>
-          <a:bodyPr wrap="square" rtlCol="0">
-            <a:spAutoFit/>
-          </a:bodyPr>
-          <a:lstStyle/>
-          <a:p>
-            <a:pPr algn="r"/>
-            <a:fld id="{DBA1376A-1BCE-4C3B-85BD-05D751D6B156}" type="slidenum">
-              <a:rPr lang="en-US" altLang="ko-KR" sz="800" spc="-30" smtClean="0">
-                <a:solidFill>
-                  <a:schemeClr val="tx1">
-                    <a:lumMod val="95000"/>
-                    <a:lumOff val="5000"/>
-                  </a:schemeClr>
-                </a:solidFill>
-                <a:latin typeface="나눔고딕" pitchFamily="50" charset="-127"/>
-                <a:ea typeface="나눔고딕" pitchFamily="50" charset="-127"/>
-              </a:rPr>
-              <a:pPr algn="r"/>
-              <a:t>18</a:t>
-            </a:fld>
-            <a:r>
-              <a:rPr lang="en-US" altLang="ko-KR" sz="800" spc="-30" dirty="0">
-                <a:solidFill>
-                  <a:schemeClr val="tx1">
-                    <a:lumMod val="95000"/>
-                    <a:lumOff val="5000"/>
-                  </a:schemeClr>
-                </a:solidFill>
-                <a:latin typeface="나눔고딕" pitchFamily="50" charset="-127"/>
-                <a:ea typeface="나눔고딕" pitchFamily="50" charset="-127"/>
-              </a:rPr>
-              <a:t> / 25</a:t>
-            </a:r>
-          </a:p>
-        </p:txBody>
-      </p:sp>
-      <p:pic>
-        <p:nvPicPr>
-          <p:cNvPr id="6" name="그림 5">
-            <a:extLst>
-              <a:ext uri="{FF2B5EF4-FFF2-40B4-BE49-F238E27FC236}">
-                <a16:creationId xmlns:a16="http://schemas.microsoft.com/office/drawing/2014/main" id="{C89B209F-E18E-400B-9E7F-12DB7603476B}"/>
-              </a:ext>
-            </a:extLst>
-          </p:cNvPr>
-          <p:cNvPicPr>
-            <a:picLocks noChangeAspect="1"/>
-          </p:cNvPicPr>
-          <p:nvPr/>
-        </p:nvPicPr>
-        <p:blipFill>
-          <a:blip r:embed="rId3">
-            <a:extLst>
-              <a:ext uri="{28A0092B-C50C-407E-A947-70E740481C1C}">
-                <a14:useLocalDpi xmlns:a14="http://schemas.microsoft.com/office/drawing/2010/main" val="0"/>
-              </a:ext>
-            </a:extLst>
-          </a:blip>
-          <a:stretch>
-            <a:fillRect/>
-          </a:stretch>
-        </p:blipFill>
-        <p:spPr>
-          <a:xfrm>
-            <a:off x="484727" y="1846850"/>
-            <a:ext cx="4506373" cy="2805042"/>
-          </a:xfrm>
-          <a:prstGeom prst="rect">
-            <a:avLst/>
-          </a:prstGeom>
-        </p:spPr>
-      </p:pic>
-      <p:pic>
-        <p:nvPicPr>
-          <p:cNvPr id="8" name="그림 7">
-            <a:extLst>
-              <a:ext uri="{FF2B5EF4-FFF2-40B4-BE49-F238E27FC236}">
-                <a16:creationId xmlns:a16="http://schemas.microsoft.com/office/drawing/2014/main" id="{81300071-9679-4D32-8544-6A7C0ED043E8}"/>
-              </a:ext>
-            </a:extLst>
-          </p:cNvPr>
-          <p:cNvPicPr>
-            <a:picLocks noChangeAspect="1"/>
-          </p:cNvPicPr>
-          <p:nvPr/>
-        </p:nvPicPr>
-        <p:blipFill>
-          <a:blip r:embed="rId4" cstate="print">
-            <a:extLst>
-              <a:ext uri="{28A0092B-C50C-407E-A947-70E740481C1C}">
-                <a14:useLocalDpi xmlns:a14="http://schemas.microsoft.com/office/drawing/2010/main" val="0"/>
-              </a:ext>
-            </a:extLst>
-          </a:blip>
-          <a:stretch>
-            <a:fillRect/>
-          </a:stretch>
-        </p:blipFill>
-        <p:spPr>
-          <a:xfrm>
-            <a:off x="5465039" y="1978701"/>
-            <a:ext cx="2897911" cy="1476066"/>
-          </a:xfrm>
-          <a:prstGeom prst="rect">
-            <a:avLst/>
-          </a:prstGeom>
-        </p:spPr>
-      </p:pic>
-      <p:pic>
-        <p:nvPicPr>
-          <p:cNvPr id="16" name="그림 15">
-            <a:extLst>
-              <a:ext uri="{FF2B5EF4-FFF2-40B4-BE49-F238E27FC236}">
-                <a16:creationId xmlns:a16="http://schemas.microsoft.com/office/drawing/2014/main" id="{A074002B-7219-4CAC-8E2D-EE6AD11BD934}"/>
-              </a:ext>
-            </a:extLst>
-          </p:cNvPr>
-          <p:cNvPicPr>
-            <a:picLocks noChangeAspect="1"/>
-          </p:cNvPicPr>
-          <p:nvPr/>
-        </p:nvPicPr>
-        <p:blipFill>
-          <a:blip r:embed="rId5" cstate="print">
-            <a:extLst>
-              <a:ext uri="{28A0092B-C50C-407E-A947-70E740481C1C}">
-                <a14:useLocalDpi xmlns:a14="http://schemas.microsoft.com/office/drawing/2010/main" val="0"/>
-              </a:ext>
-            </a:extLst>
-          </a:blip>
-          <a:stretch>
-            <a:fillRect/>
-          </a:stretch>
-        </p:blipFill>
-        <p:spPr>
-          <a:xfrm>
-            <a:off x="2019081" y="5350414"/>
-            <a:ext cx="1809969" cy="807460"/>
-          </a:xfrm>
-          <a:prstGeom prst="rect">
-            <a:avLst/>
-          </a:prstGeom>
-        </p:spPr>
-      </p:pic>
-      <p:pic>
-        <p:nvPicPr>
-          <p:cNvPr id="18" name="그림 17">
-            <a:extLst>
-              <a:ext uri="{FF2B5EF4-FFF2-40B4-BE49-F238E27FC236}">
-                <a16:creationId xmlns:a16="http://schemas.microsoft.com/office/drawing/2014/main" id="{7E62D3C1-014D-4B2C-8B46-FE071B322937}"/>
-              </a:ext>
-            </a:extLst>
-          </p:cNvPr>
-          <p:cNvPicPr>
-            <a:picLocks noChangeAspect="1"/>
-          </p:cNvPicPr>
-          <p:nvPr/>
-        </p:nvPicPr>
-        <p:blipFill>
-          <a:blip r:embed="rId6" cstate="print">
-            <a:extLst>
-              <a:ext uri="{28A0092B-C50C-407E-A947-70E740481C1C}">
-                <a14:useLocalDpi xmlns:a14="http://schemas.microsoft.com/office/drawing/2010/main" val="0"/>
-              </a:ext>
-            </a:extLst>
-          </a:blip>
-          <a:stretch>
-            <a:fillRect/>
-          </a:stretch>
-        </p:blipFill>
-        <p:spPr>
-          <a:xfrm>
-            <a:off x="5388812" y="4811835"/>
-            <a:ext cx="2126413" cy="1218798"/>
-          </a:xfrm>
-          <a:prstGeom prst="rect">
-            <a:avLst/>
-          </a:prstGeom>
-        </p:spPr>
-      </p:pic>
-    </p:spTree>
-    <p:extLst>
-      <p:ext uri="{BB962C8B-B14F-4D97-AF65-F5344CB8AC3E}">
-        <p14:creationId xmlns:p14="http://schemas.microsoft.com/office/powerpoint/2010/main" val="2842446449"/>
       </p:ext>
     </p:extLst>
   </p:cSld>
@@ -14739,209 +16303,159 @@
                 <a:latin typeface="나눔고딕" pitchFamily="50" charset="-127"/>
                 <a:ea typeface="나눔고딕" pitchFamily="50" charset="-127"/>
               </a:rPr>
-              <a:t> / 25</a:t>
+              <a:t> / 26</a:t>
             </a:r>
           </a:p>
         </p:txBody>
       </p:sp>
-      <p:sp>
-        <p:nvSpPr>
-          <p:cNvPr id="3" name="직사각형 2"/>
-          <p:cNvSpPr/>
+      <p:pic>
+        <p:nvPicPr>
+          <p:cNvPr id="6" name="그림 5">
+            <a:extLst>
+              <a:ext uri="{FF2B5EF4-FFF2-40B4-BE49-F238E27FC236}">
+                <a16:creationId xmlns:a16="http://schemas.microsoft.com/office/drawing/2014/main" id="{C89B209F-E18E-400B-9E7F-12DB7603476B}"/>
+              </a:ext>
+            </a:extLst>
+          </p:cNvPr>
+          <p:cNvPicPr>
+            <a:picLocks noChangeAspect="1"/>
+          </p:cNvPicPr>
           <p:nvPr/>
-        </p:nvSpPr>
+        </p:nvPicPr>
+        <p:blipFill>
+          <a:blip r:embed="rId3">
+            <a:extLst>
+              <a:ext uri="{28A0092B-C50C-407E-A947-70E740481C1C}">
+                <a14:useLocalDpi xmlns:a14="http://schemas.microsoft.com/office/drawing/2010/main" val="0"/>
+              </a:ext>
+            </a:extLst>
+          </a:blip>
+          <a:stretch>
+            <a:fillRect/>
+          </a:stretch>
+        </p:blipFill>
         <p:spPr>
           <a:xfrm>
-            <a:off x="393278" y="1687949"/>
-            <a:ext cx="8349049" cy="3970318"/>
+            <a:off x="484727" y="1846850"/>
+            <a:ext cx="4506373" cy="2805042"/>
           </a:xfrm>
           <a:prstGeom prst="rect">
             <a:avLst/>
           </a:prstGeom>
         </p:spPr>
-        <p:txBody>
-          <a:bodyPr wrap="square">
-            <a:spAutoFit/>
-          </a:bodyPr>
-          <a:lstStyle/>
-          <a:p>
-            <a:pPr marL="342900" indent="-342900">
-              <a:buFont typeface="+mj-lt"/>
-              <a:buAutoNum type="arabicPeriod"/>
-            </a:pPr>
-            <a:r>
-              <a:rPr lang="en-US" altLang="ko-KR" dirty="0" err="1"/>
-              <a:t>RaspberryPI</a:t>
-            </a:r>
-            <a:endParaRPr lang="en-US" altLang="ko-KR" dirty="0"/>
-          </a:p>
-          <a:p>
-            <a:pPr marL="800100" lvl="1" indent="-342900">
-              <a:buFont typeface="Arial" panose="020B0604020202020204" pitchFamily="34" charset="0"/>
-              <a:buChar char="•"/>
-            </a:pPr>
-            <a:r>
-              <a:rPr lang="en-US" altLang="ko-KR" dirty="0"/>
-              <a:t>Flask</a:t>
-            </a:r>
-            <a:r>
-              <a:rPr lang="ko-KR" altLang="en-US" dirty="0"/>
-              <a:t>를 이용한 웹 서버 구현</a:t>
-            </a:r>
-            <a:endParaRPr lang="en-US" altLang="ko-KR" dirty="0"/>
-          </a:p>
-          <a:p>
-            <a:pPr marL="800100" lvl="1" indent="-342900">
-              <a:buFont typeface="Arial" panose="020B0604020202020204" pitchFamily="34" charset="0"/>
-              <a:buChar char="•"/>
-            </a:pPr>
-            <a:r>
-              <a:rPr lang="en-US" altLang="ko-KR" dirty="0"/>
-              <a:t>Open CV</a:t>
-            </a:r>
-            <a:r>
-              <a:rPr lang="ko-KR" altLang="en-US" dirty="0"/>
-              <a:t>를 이용한 이미지 캡처 및 모션 인식</a:t>
-            </a:r>
-            <a:endParaRPr lang="en-US" altLang="ko-KR" dirty="0"/>
-          </a:p>
-          <a:p>
-            <a:pPr marL="800100" lvl="1" indent="-342900">
-              <a:buFont typeface="Arial" panose="020B0604020202020204" pitchFamily="34" charset="0"/>
-              <a:buChar char="•"/>
-            </a:pPr>
-            <a:r>
-              <a:rPr lang="ko-KR" altLang="en-US" dirty="0"/>
-              <a:t>모션 감지 시 이미지 캡처 및 메시지 푸시 요청</a:t>
-            </a:r>
-            <a:endParaRPr lang="en-US" altLang="ko-KR" dirty="0"/>
-          </a:p>
-          <a:p>
-            <a:pPr marL="800100" lvl="1" indent="-342900">
-              <a:buFont typeface="Arial" panose="020B0604020202020204" pitchFamily="34" charset="0"/>
-              <a:buChar char="•"/>
-            </a:pPr>
-            <a:r>
-              <a:rPr lang="ko-KR" altLang="en-US" dirty="0"/>
-              <a:t>쓰레드를 이용하여 소켓 구동</a:t>
-            </a:r>
-            <a:endParaRPr lang="en-US" altLang="ko-KR" dirty="0"/>
-          </a:p>
-          <a:p>
-            <a:pPr marL="342900" indent="-342900">
-              <a:buFont typeface="+mj-lt"/>
-              <a:buAutoNum type="arabicPeriod"/>
-            </a:pPr>
-            <a:endParaRPr lang="en-US" altLang="ko-KR" dirty="0"/>
-          </a:p>
-          <a:p>
-            <a:pPr marL="342900" indent="-342900">
-              <a:buFont typeface="+mj-lt"/>
-              <a:buAutoNum type="arabicPeriod"/>
-            </a:pPr>
-            <a:r>
-              <a:rPr lang="en-US" altLang="ko-KR" dirty="0"/>
-              <a:t>Application</a:t>
-            </a:r>
-          </a:p>
-          <a:p>
-            <a:pPr marL="800100" lvl="1" indent="-342900">
-              <a:buFont typeface="Arial" panose="020B0604020202020204" pitchFamily="34" charset="0"/>
-              <a:buChar char="•"/>
-            </a:pPr>
-            <a:r>
-              <a:rPr lang="ko-KR" altLang="en-US" dirty="0"/>
-              <a:t>웹 뷰를 통한 동영상 시청</a:t>
-            </a:r>
-            <a:endParaRPr lang="en-US" altLang="ko-KR" dirty="0"/>
-          </a:p>
-          <a:p>
-            <a:pPr marL="800100" lvl="1" indent="-342900">
-              <a:buFont typeface="Arial" panose="020B0604020202020204" pitchFamily="34" charset="0"/>
-              <a:buChar char="•"/>
-            </a:pPr>
-            <a:r>
-              <a:rPr lang="ko-KR" altLang="en-US" dirty="0"/>
-              <a:t>소켓을 통한 </a:t>
-            </a:r>
-            <a:r>
-              <a:rPr lang="ko-KR" altLang="en-US" dirty="0" err="1"/>
-              <a:t>라즈베리파이와</a:t>
-            </a:r>
-            <a:r>
-              <a:rPr lang="ko-KR" altLang="en-US" dirty="0"/>
-              <a:t> 통신</a:t>
-            </a:r>
-            <a:endParaRPr lang="en-US" altLang="ko-KR" dirty="0"/>
-          </a:p>
-          <a:p>
-            <a:pPr marL="800100" lvl="1" indent="-342900">
-              <a:buFont typeface="Arial" panose="020B0604020202020204" pitchFamily="34" charset="0"/>
-              <a:buChar char="•"/>
-            </a:pPr>
-            <a:r>
-              <a:rPr lang="ko-KR" altLang="en-US" dirty="0"/>
-              <a:t>소켓을 통한 </a:t>
-            </a:r>
-            <a:r>
-              <a:rPr lang="ko-KR" altLang="en-US" dirty="0" err="1"/>
-              <a:t>서보모터</a:t>
-            </a:r>
-            <a:r>
-              <a:rPr lang="ko-KR" altLang="en-US" dirty="0"/>
-              <a:t> 제어</a:t>
-            </a:r>
-            <a:endParaRPr lang="en-US" altLang="ko-KR" dirty="0"/>
-          </a:p>
-          <a:p>
-            <a:pPr marL="800100" lvl="1" indent="-342900">
-              <a:buFont typeface="Arial" panose="020B0604020202020204" pitchFamily="34" charset="0"/>
-              <a:buChar char="•"/>
-            </a:pPr>
-            <a:endParaRPr lang="en-US" altLang="ko-KR" dirty="0"/>
-          </a:p>
-          <a:p>
-            <a:pPr marL="342900" indent="-342900">
-              <a:buFont typeface="+mj-lt"/>
-              <a:buAutoNum type="arabicPeriod"/>
-            </a:pPr>
-            <a:r>
-              <a:rPr lang="en-US" altLang="ko-KR" dirty="0"/>
-              <a:t>Firebase</a:t>
-            </a:r>
-          </a:p>
-          <a:p>
-            <a:pPr marL="800100" lvl="1" indent="-342900">
-              <a:buFont typeface="Arial" panose="020B0604020202020204" pitchFamily="34" charset="0"/>
-              <a:buChar char="•"/>
-            </a:pPr>
-            <a:r>
-              <a:rPr lang="en-US" altLang="ko-KR" dirty="0"/>
-              <a:t>FCM</a:t>
-            </a:r>
-            <a:r>
-              <a:rPr lang="ko-KR" altLang="en-US" dirty="0"/>
-              <a:t>을 이용한 메시지 푸시 알림</a:t>
-            </a:r>
-            <a:endParaRPr lang="en-US" altLang="ko-KR" dirty="0"/>
-          </a:p>
-          <a:p>
-            <a:pPr marL="800100" lvl="1" indent="-342900">
-              <a:buFont typeface="Arial" panose="020B0604020202020204" pitchFamily="34" charset="0"/>
-              <a:buChar char="•"/>
-            </a:pPr>
-            <a:r>
-              <a:rPr lang="ko-KR" altLang="en-US" dirty="0"/>
-              <a:t>데이터베이스에 디바이스 토큰 값 저장</a:t>
-            </a:r>
-            <a:endParaRPr lang="en-US" altLang="ko-KR" dirty="0"/>
-          </a:p>
-        </p:txBody>
-      </p:sp>
+      </p:pic>
+      <p:pic>
+        <p:nvPicPr>
+          <p:cNvPr id="8" name="그림 7">
+            <a:extLst>
+              <a:ext uri="{FF2B5EF4-FFF2-40B4-BE49-F238E27FC236}">
+                <a16:creationId xmlns:a16="http://schemas.microsoft.com/office/drawing/2014/main" id="{81300071-9679-4D32-8544-6A7C0ED043E8}"/>
+              </a:ext>
+            </a:extLst>
+          </p:cNvPr>
+          <p:cNvPicPr>
+            <a:picLocks noChangeAspect="1"/>
+          </p:cNvPicPr>
+          <p:nvPr/>
+        </p:nvPicPr>
+        <p:blipFill>
+          <a:blip r:embed="rId4" cstate="print">
+            <a:extLst>
+              <a:ext uri="{28A0092B-C50C-407E-A947-70E740481C1C}">
+                <a14:useLocalDpi xmlns:a14="http://schemas.microsoft.com/office/drawing/2010/main" val="0"/>
+              </a:ext>
+            </a:extLst>
+          </a:blip>
+          <a:stretch>
+            <a:fillRect/>
+          </a:stretch>
+        </p:blipFill>
+        <p:spPr>
+          <a:xfrm>
+            <a:off x="5465039" y="1978701"/>
+            <a:ext cx="2897911" cy="1476066"/>
+          </a:xfrm>
+          <a:prstGeom prst="rect">
+            <a:avLst/>
+          </a:prstGeom>
+        </p:spPr>
+      </p:pic>
+      <p:pic>
+        <p:nvPicPr>
+          <p:cNvPr id="16" name="그림 15">
+            <a:extLst>
+              <a:ext uri="{FF2B5EF4-FFF2-40B4-BE49-F238E27FC236}">
+                <a16:creationId xmlns:a16="http://schemas.microsoft.com/office/drawing/2014/main" id="{A074002B-7219-4CAC-8E2D-EE6AD11BD934}"/>
+              </a:ext>
+            </a:extLst>
+          </p:cNvPr>
+          <p:cNvPicPr>
+            <a:picLocks noChangeAspect="1"/>
+          </p:cNvPicPr>
+          <p:nvPr/>
+        </p:nvPicPr>
+        <p:blipFill>
+          <a:blip r:embed="rId5" cstate="print">
+            <a:extLst>
+              <a:ext uri="{28A0092B-C50C-407E-A947-70E740481C1C}">
+                <a14:useLocalDpi xmlns:a14="http://schemas.microsoft.com/office/drawing/2010/main" val="0"/>
+              </a:ext>
+            </a:extLst>
+          </a:blip>
+          <a:stretch>
+            <a:fillRect/>
+          </a:stretch>
+        </p:blipFill>
+        <p:spPr>
+          <a:xfrm>
+            <a:off x="2019081" y="5350414"/>
+            <a:ext cx="1809969" cy="807460"/>
+          </a:xfrm>
+          <a:prstGeom prst="rect">
+            <a:avLst/>
+          </a:prstGeom>
+        </p:spPr>
+      </p:pic>
+      <p:pic>
+        <p:nvPicPr>
+          <p:cNvPr id="18" name="그림 17">
+            <a:extLst>
+              <a:ext uri="{FF2B5EF4-FFF2-40B4-BE49-F238E27FC236}">
+                <a16:creationId xmlns:a16="http://schemas.microsoft.com/office/drawing/2014/main" id="{7E62D3C1-014D-4B2C-8B46-FE071B322937}"/>
+              </a:ext>
+            </a:extLst>
+          </p:cNvPr>
+          <p:cNvPicPr>
+            <a:picLocks noChangeAspect="1"/>
+          </p:cNvPicPr>
+          <p:nvPr/>
+        </p:nvPicPr>
+        <p:blipFill>
+          <a:blip r:embed="rId6" cstate="print">
+            <a:extLst>
+              <a:ext uri="{28A0092B-C50C-407E-A947-70E740481C1C}">
+                <a14:useLocalDpi xmlns:a14="http://schemas.microsoft.com/office/drawing/2010/main" val="0"/>
+              </a:ext>
+            </a:extLst>
+          </a:blip>
+          <a:stretch>
+            <a:fillRect/>
+          </a:stretch>
+        </p:blipFill>
+        <p:spPr>
+          <a:xfrm>
+            <a:off x="5388812" y="4811835"/>
+            <a:ext cx="2126413" cy="1218798"/>
+          </a:xfrm>
+          <a:prstGeom prst="rect">
+            <a:avLst/>
+          </a:prstGeom>
+        </p:spPr>
+      </p:pic>
     </p:spTree>
     <p:extLst>
       <p:ext uri="{BB962C8B-B14F-4D97-AF65-F5344CB8AC3E}">
-        <p14:creationId xmlns:p14="http://schemas.microsoft.com/office/powerpoint/2010/main" val="195508812"/>
+        <p14:creationId xmlns:p14="http://schemas.microsoft.com/office/powerpoint/2010/main" val="2842446449"/>
       </p:ext>
     </p:extLst>
   </p:cSld>
@@ -15792,7 +17306,7 @@
                 <a:latin typeface="나눔고딕" pitchFamily="50" charset="-127"/>
                 <a:ea typeface="나눔고딕" pitchFamily="50" charset="-127"/>
               </a:rPr>
-              <a:t>7.</a:t>
+              <a:t>6.</a:t>
             </a:r>
             <a:r>
               <a:rPr lang="ko-KR" altLang="en-US" sz="800" spc="-30" dirty="0">
@@ -15805,7 +17319,7 @@
                 <a:latin typeface="나눔고딕" pitchFamily="50" charset="-127"/>
                 <a:ea typeface="나눔고딕" pitchFamily="50" charset="-127"/>
               </a:rPr>
-              <a:t>데모 환경 설계</a:t>
+              <a:t>개발 환경 및 개발 방법 </a:t>
             </a:r>
             <a:endParaRPr lang="en-US" altLang="ko-KR" sz="800" spc="-30" dirty="0">
               <a:solidFill>
@@ -15895,7 +17409,7 @@
                 <a:latin typeface="+mj-ea"/>
                 <a:ea typeface="+mj-ea"/>
               </a:rPr>
-              <a:t>데모 환경 설계</a:t>
+              <a:t>개발 환경 및 개발 방법</a:t>
             </a:r>
             <a:endParaRPr lang="en-US" altLang="ko-KR" sz="4000" b="1" spc="-50" dirty="0">
               <a:solidFill>
@@ -15958,7 +17472,7 @@
                 <a:latin typeface="나눔고딕" pitchFamily="50" charset="-127"/>
                 <a:ea typeface="나눔고딕" pitchFamily="50" charset="-127"/>
               </a:rPr>
-              <a:t> / 25</a:t>
+              <a:t> / 26</a:t>
             </a:r>
           </a:p>
         </p:txBody>
@@ -15971,8 +17485,8 @@
         </p:nvSpPr>
         <p:spPr>
           <a:xfrm>
-            <a:off x="512538" y="2751603"/>
-            <a:ext cx="8349049" cy="2031325"/>
+            <a:off x="393278" y="1687949"/>
+            <a:ext cx="8349049" cy="3970318"/>
           </a:xfrm>
           <a:prstGeom prst="rect">
             <a:avLst/>
@@ -15984,112 +17498,183 @@
           </a:bodyPr>
           <a:lstStyle/>
           <a:p>
-            <a:pPr marL="285750" indent="-285750">
+            <a:pPr marL="342900" indent="-342900">
+              <a:buFont typeface="+mj-lt"/>
+              <a:buAutoNum type="arabicPeriod"/>
+            </a:pPr>
+            <a:r>
+              <a:rPr lang="en-US" altLang="ko-KR" dirty="0" err="1"/>
+              <a:t>RaspberryPI</a:t>
+            </a:r>
+            <a:endParaRPr lang="en-US" altLang="ko-KR" dirty="0"/>
+          </a:p>
+          <a:p>
+            <a:pPr marL="800100" lvl="1" indent="-342900">
               <a:buFont typeface="Arial" panose="020B0604020202020204" pitchFamily="34" charset="0"/>
               <a:buChar char="•"/>
             </a:pPr>
             <a:r>
+              <a:rPr lang="en-US" altLang="ko-KR" dirty="0"/>
+              <a:t>Flask</a:t>
+            </a:r>
+            <a:r>
+              <a:rPr lang="ko-KR" altLang="en-US" dirty="0"/>
+              <a:t>를 이용한 웹 서버 구현</a:t>
+            </a:r>
+            <a:endParaRPr lang="en-US" altLang="ko-KR" dirty="0"/>
+          </a:p>
+          <a:p>
+            <a:pPr marL="800100" lvl="1" indent="-342900">
+              <a:buFont typeface="Arial" panose="020B0604020202020204" pitchFamily="34" charset="0"/>
+              <a:buChar char="•"/>
+            </a:pPr>
+            <a:r>
+              <a:rPr lang="en-US" altLang="ko-KR" dirty="0"/>
+              <a:t>Open CV</a:t>
+            </a:r>
+            <a:r>
+              <a:rPr lang="ko-KR" altLang="en-US" dirty="0"/>
+              <a:t>를 이용한 이미지 캡처 및 모션 인식</a:t>
+            </a:r>
+            <a:endParaRPr lang="en-US" altLang="ko-KR" dirty="0"/>
+          </a:p>
+          <a:p>
+            <a:pPr marL="800100" lvl="1" indent="-342900">
+              <a:buFont typeface="Arial" panose="020B0604020202020204" pitchFamily="34" charset="0"/>
+              <a:buChar char="•"/>
+            </a:pPr>
+            <a:r>
+              <a:rPr lang="ko-KR" altLang="en-US" dirty="0"/>
+              <a:t>모션 감지 시 이미지 캡처 및 메시지 푸시 요청</a:t>
+            </a:r>
+            <a:endParaRPr lang="en-US" altLang="ko-KR" dirty="0"/>
+          </a:p>
+          <a:p>
+            <a:pPr marL="800100" lvl="1" indent="-342900">
+              <a:buFont typeface="Arial" panose="020B0604020202020204" pitchFamily="34" charset="0"/>
+              <a:buChar char="•"/>
+            </a:pPr>
+            <a:r>
+              <a:rPr lang="ko-KR" altLang="en-US" dirty="0"/>
+              <a:t>쓰레드를 이용하여 소켓 구동</a:t>
+            </a:r>
+            <a:endParaRPr lang="en-US" altLang="ko-KR" dirty="0"/>
+          </a:p>
+          <a:p>
+            <a:pPr marL="342900" indent="-342900">
+              <a:buFont typeface="+mj-lt"/>
+              <a:buAutoNum type="arabicPeriod"/>
+            </a:pPr>
+            <a:endParaRPr lang="en-US" altLang="ko-KR" dirty="0"/>
+          </a:p>
+          <a:p>
+            <a:pPr marL="342900" indent="-342900">
+              <a:buFont typeface="+mj-lt"/>
+              <a:buAutoNum type="arabicPeriod"/>
+            </a:pPr>
+            <a:r>
+              <a:rPr lang="en-US" altLang="ko-KR" dirty="0"/>
+              <a:t>Application</a:t>
+            </a:r>
+          </a:p>
+          <a:p>
+            <a:pPr marL="800100" lvl="1" indent="-342900">
+              <a:buFont typeface="Arial" panose="020B0604020202020204" pitchFamily="34" charset="0"/>
+              <a:buChar char="•"/>
+            </a:pPr>
+            <a:r>
+              <a:rPr lang="ko-KR" altLang="en-US" dirty="0"/>
+              <a:t>웹 뷰를 통한 동영상 시청</a:t>
+            </a:r>
+            <a:endParaRPr lang="en-US" altLang="ko-KR" dirty="0"/>
+          </a:p>
+          <a:p>
+            <a:pPr marL="800100" lvl="1" indent="-342900">
+              <a:buFont typeface="Arial" panose="020B0604020202020204" pitchFamily="34" charset="0"/>
+              <a:buChar char="•"/>
+            </a:pPr>
+            <a:r>
+              <a:rPr lang="ko-KR" altLang="en-US" dirty="0"/>
+              <a:t>소켓을 통한 </a:t>
+            </a:r>
+            <a:r>
               <a:rPr lang="ko-KR" altLang="en-US" dirty="0" err="1"/>
-              <a:t>라즈베리파이</a:t>
-            </a:r>
-            <a:r>
-              <a:rPr lang="en-US" altLang="ko-KR" dirty="0"/>
-              <a:t>(CCTV)</a:t>
+              <a:t>라즈베리파이와</a:t>
             </a:r>
             <a:r>
               <a:rPr lang="ko-KR" altLang="en-US" dirty="0"/>
-              <a:t>를</a:t>
-            </a:r>
-            <a:r>
-              <a:rPr lang="en-US" altLang="ko-KR" dirty="0"/>
-              <a:t> </a:t>
-            </a:r>
+              <a:t> 통신</a:t>
+            </a:r>
+            <a:endParaRPr lang="en-US" altLang="ko-KR" dirty="0"/>
+          </a:p>
+          <a:p>
+            <a:pPr marL="800100" lvl="1" indent="-342900">
+              <a:buFont typeface="Arial" panose="020B0604020202020204" pitchFamily="34" charset="0"/>
+              <a:buChar char="•"/>
+            </a:pPr>
             <a:r>
               <a:rPr lang="ko-KR" altLang="en-US" dirty="0"/>
-              <a:t>설치하고 감시한다</a:t>
-            </a:r>
-            <a:r>
-              <a:rPr lang="en-US" altLang="ko-KR" dirty="0"/>
-              <a:t>.</a:t>
-            </a:r>
-          </a:p>
-          <a:p>
-            <a:pPr marL="285750" indent="-285750">
+              <a:t>소켓을 통한 </a:t>
+            </a:r>
+            <a:r>
+              <a:rPr lang="ko-KR" altLang="en-US" dirty="0" err="1"/>
+              <a:t>서보모터</a:t>
+            </a:r>
+            <a:r>
+              <a:rPr lang="ko-KR" altLang="en-US" dirty="0"/>
+              <a:t> 제어</a:t>
+            </a:r>
+            <a:endParaRPr lang="en-US" altLang="ko-KR" dirty="0"/>
+          </a:p>
+          <a:p>
+            <a:pPr marL="800100" lvl="1" indent="-342900">
               <a:buFont typeface="Arial" panose="020B0604020202020204" pitchFamily="34" charset="0"/>
               <a:buChar char="•"/>
             </a:pPr>
             <a:endParaRPr lang="en-US" altLang="ko-KR" dirty="0"/>
           </a:p>
           <a:p>
-            <a:pPr marL="285750" indent="-285750">
+            <a:pPr marL="342900" indent="-342900">
+              <a:buFont typeface="+mj-lt"/>
+              <a:buAutoNum type="arabicPeriod"/>
+            </a:pPr>
+            <a:r>
+              <a:rPr lang="en-US" altLang="ko-KR" dirty="0"/>
+              <a:t>Firebase</a:t>
+            </a:r>
+          </a:p>
+          <a:p>
+            <a:pPr marL="800100" lvl="1" indent="-342900">
               <a:buFont typeface="Arial" panose="020B0604020202020204" pitchFamily="34" charset="0"/>
               <a:buChar char="•"/>
             </a:pPr>
             <a:r>
+              <a:rPr lang="en-US" altLang="ko-KR" dirty="0"/>
+              <a:t>FCM</a:t>
+            </a:r>
+            <a:r>
               <a:rPr lang="ko-KR" altLang="en-US" dirty="0"/>
-              <a:t>모션이 인식 될 경우 사용자에게 푸시 알림을 보낸다</a:t>
-            </a:r>
-            <a:r>
-              <a:rPr lang="en-US" altLang="ko-KR" dirty="0"/>
-              <a:t>.</a:t>
-            </a:r>
-          </a:p>
-          <a:p>
-            <a:pPr marL="285750" indent="-285750">
+              <a:t>을 이용한 메시지 푸시 알림</a:t>
+            </a:r>
+            <a:endParaRPr lang="en-US" altLang="ko-KR" dirty="0"/>
+          </a:p>
+          <a:p>
+            <a:pPr marL="800100" lvl="1" indent="-342900">
               <a:buFont typeface="Arial" panose="020B0604020202020204" pitchFamily="34" charset="0"/>
               <a:buChar char="•"/>
             </a:pPr>
+            <a:r>
+              <a:rPr lang="ko-KR" altLang="en-US" dirty="0"/>
+              <a:t>데이터베이스에 디바이스 토큰 값 저장</a:t>
+            </a:r>
             <a:endParaRPr lang="en-US" altLang="ko-KR" dirty="0"/>
-          </a:p>
-          <a:p>
-            <a:pPr marL="285750" indent="-285750">
-              <a:buFont typeface="Arial" panose="020B0604020202020204" pitchFamily="34" charset="0"/>
-              <a:buChar char="•"/>
-            </a:pPr>
-            <a:r>
-              <a:rPr lang="ko-KR" altLang="en-US" dirty="0"/>
-              <a:t>사용자는 푸시 알림을 확인 후 어플리케이션을 통해 영상을 확인한다</a:t>
-            </a:r>
-            <a:r>
-              <a:rPr lang="en-US" altLang="ko-KR" dirty="0"/>
-              <a:t>.</a:t>
-            </a:r>
-          </a:p>
-          <a:p>
-            <a:pPr marL="285750" indent="-285750">
-              <a:buFont typeface="Arial" panose="020B0604020202020204" pitchFamily="34" charset="0"/>
-              <a:buChar char="•"/>
-            </a:pPr>
-            <a:endParaRPr lang="en-US" altLang="ko-KR" dirty="0"/>
-          </a:p>
-          <a:p>
-            <a:pPr marL="285750" indent="-285750">
-              <a:buFont typeface="Arial" panose="020B0604020202020204" pitchFamily="34" charset="0"/>
-              <a:buChar char="•"/>
-            </a:pPr>
-            <a:r>
-              <a:rPr lang="ko-KR" altLang="en-US" dirty="0"/>
-              <a:t>사용자는 어플리케이션을 통해 </a:t>
-            </a:r>
-            <a:r>
-              <a:rPr lang="ko-KR" altLang="en-US" dirty="0" err="1"/>
-              <a:t>서보</a:t>
-            </a:r>
-            <a:r>
-              <a:rPr lang="ko-KR" altLang="en-US" dirty="0"/>
-              <a:t> 모터를 좌우로 이동해본다</a:t>
-            </a:r>
-            <a:r>
-              <a:rPr lang="en-US" altLang="ko-KR" dirty="0"/>
-              <a:t>.</a:t>
-            </a:r>
           </a:p>
         </p:txBody>
       </p:sp>
     </p:spTree>
     <p:extLst>
       <p:ext uri="{BB962C8B-B14F-4D97-AF65-F5344CB8AC3E}">
-        <p14:creationId xmlns:p14="http://schemas.microsoft.com/office/powerpoint/2010/main" val="1200901458"/>
+        <p14:creationId xmlns:p14="http://schemas.microsoft.com/office/powerpoint/2010/main" val="195508812"/>
       </p:ext>
     </p:extLst>
   </p:cSld>
@@ -16149,7 +17734,7 @@
                 <a:latin typeface="나눔고딕" pitchFamily="50" charset="-127"/>
                 <a:ea typeface="나눔고딕" pitchFamily="50" charset="-127"/>
               </a:rPr>
-              <a:t>8. </a:t>
+              <a:t>7.</a:t>
             </a:r>
             <a:r>
               <a:rPr lang="ko-KR" altLang="en-US" sz="800" spc="-30" dirty="0">
@@ -16162,7 +17747,7 @@
                 <a:latin typeface="나눔고딕" pitchFamily="50" charset="-127"/>
                 <a:ea typeface="나눔고딕" pitchFamily="50" charset="-127"/>
               </a:rPr>
-              <a:t>업무 분담 </a:t>
+              <a:t>데모 환경 설계</a:t>
             </a:r>
             <a:endParaRPr lang="en-US" altLang="ko-KR" sz="800" spc="-30" dirty="0">
               <a:solidFill>
@@ -16252,7 +17837,7 @@
                 <a:latin typeface="+mj-ea"/>
                 <a:ea typeface="+mj-ea"/>
               </a:rPr>
-              <a:t>업무 분담</a:t>
+              <a:t>데모 환경 설계</a:t>
             </a:r>
             <a:endParaRPr lang="en-US" altLang="ko-KR" sz="4000" b="1" spc="-50" dirty="0">
               <a:solidFill>
@@ -16315,7 +17900,364 @@
                 <a:latin typeface="나눔고딕" pitchFamily="50" charset="-127"/>
                 <a:ea typeface="나눔고딕" pitchFamily="50" charset="-127"/>
               </a:rPr>
-              <a:t> / 25</a:t>
+              <a:t> / 26</a:t>
+            </a:r>
+          </a:p>
+        </p:txBody>
+      </p:sp>
+      <p:sp>
+        <p:nvSpPr>
+          <p:cNvPr id="3" name="직사각형 2"/>
+          <p:cNvSpPr/>
+          <p:nvPr/>
+        </p:nvSpPr>
+        <p:spPr>
+          <a:xfrm>
+            <a:off x="512538" y="2751603"/>
+            <a:ext cx="8349049" cy="2031325"/>
+          </a:xfrm>
+          <a:prstGeom prst="rect">
+            <a:avLst/>
+          </a:prstGeom>
+        </p:spPr>
+        <p:txBody>
+          <a:bodyPr wrap="square">
+            <a:spAutoFit/>
+          </a:bodyPr>
+          <a:lstStyle/>
+          <a:p>
+            <a:pPr marL="285750" indent="-285750">
+              <a:buFont typeface="Arial" panose="020B0604020202020204" pitchFamily="34" charset="0"/>
+              <a:buChar char="•"/>
+            </a:pPr>
+            <a:r>
+              <a:rPr lang="ko-KR" altLang="en-US" dirty="0" err="1"/>
+              <a:t>라즈베리파이</a:t>
+            </a:r>
+            <a:r>
+              <a:rPr lang="en-US" altLang="ko-KR" dirty="0"/>
+              <a:t>(CCTV)</a:t>
+            </a:r>
+            <a:r>
+              <a:rPr lang="ko-KR" altLang="en-US" dirty="0"/>
+              <a:t>를</a:t>
+            </a:r>
+            <a:r>
+              <a:rPr lang="en-US" altLang="ko-KR" dirty="0"/>
+              <a:t> </a:t>
+            </a:r>
+            <a:r>
+              <a:rPr lang="ko-KR" altLang="en-US" dirty="0"/>
+              <a:t>설치하고 감시한다</a:t>
+            </a:r>
+            <a:r>
+              <a:rPr lang="en-US" altLang="ko-KR" dirty="0"/>
+              <a:t>.</a:t>
+            </a:r>
+          </a:p>
+          <a:p>
+            <a:pPr marL="285750" indent="-285750">
+              <a:buFont typeface="Arial" panose="020B0604020202020204" pitchFamily="34" charset="0"/>
+              <a:buChar char="•"/>
+            </a:pPr>
+            <a:endParaRPr lang="en-US" altLang="ko-KR" dirty="0"/>
+          </a:p>
+          <a:p>
+            <a:pPr marL="285750" indent="-285750">
+              <a:buFont typeface="Arial" panose="020B0604020202020204" pitchFamily="34" charset="0"/>
+              <a:buChar char="•"/>
+            </a:pPr>
+            <a:r>
+              <a:rPr lang="ko-KR" altLang="en-US" dirty="0"/>
+              <a:t>모션이 인식 될 경우 사용자에게 푸시 알림을 보낸다</a:t>
+            </a:r>
+            <a:r>
+              <a:rPr lang="en-US" altLang="ko-KR" dirty="0"/>
+              <a:t>.</a:t>
+            </a:r>
+          </a:p>
+          <a:p>
+            <a:pPr marL="285750" indent="-285750">
+              <a:buFont typeface="Arial" panose="020B0604020202020204" pitchFamily="34" charset="0"/>
+              <a:buChar char="•"/>
+            </a:pPr>
+            <a:endParaRPr lang="en-US" altLang="ko-KR" dirty="0"/>
+          </a:p>
+          <a:p>
+            <a:pPr marL="285750" indent="-285750">
+              <a:buFont typeface="Arial" panose="020B0604020202020204" pitchFamily="34" charset="0"/>
+              <a:buChar char="•"/>
+            </a:pPr>
+            <a:r>
+              <a:rPr lang="ko-KR" altLang="en-US" dirty="0"/>
+              <a:t>사용자는 푸시 알림을 확인 후 어플리케이션을 통해 영상을 확인한다</a:t>
+            </a:r>
+            <a:r>
+              <a:rPr lang="en-US" altLang="ko-KR" dirty="0"/>
+              <a:t>.</a:t>
+            </a:r>
+          </a:p>
+          <a:p>
+            <a:pPr marL="285750" indent="-285750">
+              <a:buFont typeface="Arial" panose="020B0604020202020204" pitchFamily="34" charset="0"/>
+              <a:buChar char="•"/>
+            </a:pPr>
+            <a:endParaRPr lang="en-US" altLang="ko-KR" dirty="0"/>
+          </a:p>
+          <a:p>
+            <a:pPr marL="285750" indent="-285750">
+              <a:buFont typeface="Arial" panose="020B0604020202020204" pitchFamily="34" charset="0"/>
+              <a:buChar char="•"/>
+            </a:pPr>
+            <a:r>
+              <a:rPr lang="ko-KR" altLang="en-US" dirty="0"/>
+              <a:t>사용자는 어플리케이션을 통해 </a:t>
+            </a:r>
+            <a:r>
+              <a:rPr lang="ko-KR" altLang="en-US" dirty="0" err="1"/>
+              <a:t>서보</a:t>
+            </a:r>
+            <a:r>
+              <a:rPr lang="ko-KR" altLang="en-US" dirty="0"/>
+              <a:t> 모터를 좌우로 이동해본다</a:t>
+            </a:r>
+            <a:r>
+              <a:rPr lang="en-US" altLang="ko-KR" dirty="0"/>
+              <a:t>.</a:t>
+            </a:r>
+          </a:p>
+        </p:txBody>
+      </p:sp>
+    </p:spTree>
+    <p:extLst>
+      <p:ext uri="{BB962C8B-B14F-4D97-AF65-F5344CB8AC3E}">
+        <p14:creationId xmlns:p14="http://schemas.microsoft.com/office/powerpoint/2010/main" val="1200901458"/>
+      </p:ext>
+    </p:extLst>
+  </p:cSld>
+  <p:clrMapOvr>
+    <a:masterClrMapping/>
+  </p:clrMapOvr>
+</p:sld>
+</file>
+
+<file path=ppt/slides/slide22.xml><?xml version="1.0" encoding="utf-8"?>
+<p:sld xmlns:a="http://schemas.openxmlformats.org/drawingml/2006/main" xmlns:r="http://schemas.openxmlformats.org/officeDocument/2006/relationships" xmlns:p="http://schemas.openxmlformats.org/presentationml/2006/main">
+  <p:cSld>
+    <p:spTree>
+      <p:nvGrpSpPr>
+        <p:cNvPr id="1" name=""/>
+        <p:cNvGrpSpPr/>
+        <p:nvPr/>
+      </p:nvGrpSpPr>
+      <p:grpSpPr>
+        <a:xfrm>
+          <a:off x="0" y="0"/>
+          <a:ext cx="0" cy="0"/>
+          <a:chOff x="0" y="0"/>
+          <a:chExt cx="0" cy="0"/>
+        </a:xfrm>
+      </p:grpSpPr>
+      <p:sp>
+        <p:nvSpPr>
+          <p:cNvPr id="5" name="TextBox 4"/>
+          <p:cNvSpPr txBox="1"/>
+          <p:nvPr/>
+        </p:nvSpPr>
+        <p:spPr>
+          <a:xfrm>
+            <a:off x="263455" y="195231"/>
+            <a:ext cx="1584176" cy="215444"/>
+          </a:xfrm>
+          <a:prstGeom prst="rect">
+            <a:avLst/>
+          </a:prstGeom>
+          <a:noFill/>
+        </p:spPr>
+        <p:txBody>
+          <a:bodyPr wrap="square" rtlCol="0">
+            <a:spAutoFit/>
+          </a:bodyPr>
+          <a:lstStyle/>
+          <a:p>
+            <a:r>
+              <a:rPr lang="en-US" altLang="ko-KR" sz="800" spc="-30" dirty="0">
+                <a:solidFill>
+                  <a:schemeClr val="tx1">
+                    <a:lumMod val="95000"/>
+                    <a:lumOff val="5000"/>
+                  </a:schemeClr>
+                </a:solidFill>
+                <a:latin typeface="나눔고딕" pitchFamily="50" charset="-127"/>
+                <a:ea typeface="나눔고딕" pitchFamily="50" charset="-127"/>
+              </a:rPr>
+              <a:t>8. </a:t>
+            </a:r>
+            <a:r>
+              <a:rPr lang="ko-KR" altLang="en-US" sz="800" spc="-30" dirty="0">
+                <a:solidFill>
+                  <a:schemeClr val="tx1">
+                    <a:lumMod val="95000"/>
+                    <a:lumOff val="5000"/>
+                  </a:schemeClr>
+                </a:solidFill>
+                <a:latin typeface="나눔고딕" pitchFamily="50" charset="-127"/>
+                <a:ea typeface="나눔고딕" pitchFamily="50" charset="-127"/>
+              </a:rPr>
+              <a:t>업무 분담 </a:t>
+            </a:r>
+            <a:endParaRPr lang="en-US" altLang="ko-KR" sz="800" spc="-30" dirty="0">
+              <a:solidFill>
+                <a:schemeClr val="tx1">
+                  <a:lumMod val="95000"/>
+                  <a:lumOff val="5000"/>
+                </a:schemeClr>
+              </a:solidFill>
+              <a:latin typeface="나눔고딕" pitchFamily="50" charset="-127"/>
+              <a:ea typeface="나눔고딕" pitchFamily="50" charset="-127"/>
+            </a:endParaRPr>
+          </a:p>
+        </p:txBody>
+      </p:sp>
+      <p:cxnSp>
+        <p:nvCxnSpPr>
+          <p:cNvPr id="20" name="직선 연결선 19"/>
+          <p:cNvCxnSpPr/>
+          <p:nvPr/>
+        </p:nvCxnSpPr>
+        <p:spPr>
+          <a:xfrm>
+            <a:off x="364803" y="547859"/>
+            <a:ext cx="8406000" cy="0"/>
+          </a:xfrm>
+          <a:prstGeom prst="line">
+            <a:avLst/>
+          </a:prstGeom>
+          <a:ln w="3175">
+            <a:solidFill>
+              <a:schemeClr val="accent4">
+                <a:lumMod val="50000"/>
+              </a:schemeClr>
+            </a:solidFill>
+          </a:ln>
+        </p:spPr>
+        <p:style>
+          <a:lnRef idx="1">
+            <a:schemeClr val="accent1"/>
+          </a:lnRef>
+          <a:fillRef idx="0">
+            <a:schemeClr val="accent1"/>
+          </a:fillRef>
+          <a:effectRef idx="0">
+            <a:schemeClr val="accent1"/>
+          </a:effectRef>
+          <a:fontRef idx="minor">
+            <a:schemeClr val="tx1"/>
+          </a:fontRef>
+        </p:style>
+      </p:cxnSp>
+      <p:sp>
+        <p:nvSpPr>
+          <p:cNvPr id="31" name="제목 1"/>
+          <p:cNvSpPr>
+            <a:spLocks noGrp="1"/>
+          </p:cNvSpPr>
+          <p:nvPr>
+            <p:ph type="title"/>
+          </p:nvPr>
+        </p:nvSpPr>
+        <p:spPr>
+          <a:xfrm>
+            <a:off x="256544" y="700126"/>
+            <a:ext cx="6995120" cy="580926"/>
+          </a:xfrm>
+        </p:spPr>
+        <p:txBody>
+          <a:bodyPr>
+            <a:noAutofit/>
+          </a:bodyPr>
+          <a:lstStyle/>
+          <a:p>
+            <a:pPr algn="l">
+              <a:lnSpc>
+                <a:spcPct val="175000"/>
+              </a:lnSpc>
+            </a:pPr>
+            <a:r>
+              <a:rPr lang="ko-KR" altLang="en-US" sz="4000" b="1" spc="-50" dirty="0">
+                <a:solidFill>
+                  <a:schemeClr val="tx1">
+                    <a:lumMod val="75000"/>
+                    <a:lumOff val="25000"/>
+                  </a:schemeClr>
+                </a:solidFill>
+                <a:latin typeface="+mj-ea"/>
+                <a:ea typeface="+mj-ea"/>
+              </a:rPr>
+              <a:t>업무 분담</a:t>
+            </a:r>
+            <a:endParaRPr lang="en-US" altLang="ko-KR" sz="4000" b="1" spc="-50" dirty="0">
+              <a:solidFill>
+                <a:schemeClr val="tx1">
+                  <a:lumMod val="75000"/>
+                  <a:lumOff val="25000"/>
+                </a:schemeClr>
+              </a:solidFill>
+              <a:latin typeface="+mj-ea"/>
+              <a:ea typeface="+mj-ea"/>
+            </a:endParaRPr>
+          </a:p>
+        </p:txBody>
+      </p:sp>
+      <p:sp>
+        <p:nvSpPr>
+          <p:cNvPr id="9" name="TextBox 8"/>
+          <p:cNvSpPr txBox="1"/>
+          <p:nvPr/>
+        </p:nvSpPr>
+        <p:spPr>
+          <a:xfrm>
+            <a:off x="7277411" y="195231"/>
+            <a:ext cx="1584176" cy="215444"/>
+          </a:xfrm>
+          <a:prstGeom prst="rect">
+            <a:avLst/>
+          </a:prstGeom>
+          <a:noFill/>
+        </p:spPr>
+        <p:txBody>
+          <a:bodyPr wrap="square" rtlCol="0">
+            <a:spAutoFit/>
+          </a:bodyPr>
+          <a:lstStyle/>
+          <a:p>
+            <a:pPr algn="r"/>
+            <a:fld id="{DBA1376A-1BCE-4C3B-85BD-05D751D6B156}" type="slidenum">
+              <a:rPr lang="en-US" altLang="ko-KR" sz="800" spc="-30" smtClean="0">
+                <a:solidFill>
+                  <a:schemeClr val="tx1">
+                    <a:lumMod val="95000"/>
+                    <a:lumOff val="5000"/>
+                  </a:schemeClr>
+                </a:solidFill>
+                <a:latin typeface="나눔고딕" pitchFamily="50" charset="-127"/>
+                <a:ea typeface="나눔고딕" pitchFamily="50" charset="-127"/>
+              </a:rPr>
+              <a:pPr algn="r"/>
+              <a:t>22</a:t>
+            </a:fld>
+            <a:r>
+              <a:rPr lang="en-US" altLang="ko-KR" sz="800" spc="-30" dirty="0">
+                <a:solidFill>
+                  <a:schemeClr val="tx1">
+                    <a:lumMod val="95000"/>
+                    <a:lumOff val="5000"/>
+                  </a:schemeClr>
+                </a:solidFill>
+                <a:latin typeface="나눔고딕" pitchFamily="50" charset="-127"/>
+                <a:ea typeface="나눔고딕" pitchFamily="50" charset="-127"/>
+              </a:rPr>
+              <a:t> / 26</a:t>
             </a:r>
           </a:p>
         </p:txBody>
@@ -18151,7 +20093,7 @@
 </p:sld>
 </file>
 
-<file path=ppt/slides/slide22.xml><?xml version="1.0" encoding="utf-8"?>
+<file path=ppt/slides/slide23.xml><?xml version="1.0" encoding="utf-8"?>
 <p:sld xmlns:a="http://schemas.openxmlformats.org/drawingml/2006/main" xmlns:r="http://schemas.openxmlformats.org/officeDocument/2006/relationships" xmlns:p="http://schemas.openxmlformats.org/presentationml/2006/main">
   <p:cSld>
     <p:spTree>
@@ -19911,7 +21853,7 @@
                 <a:ea typeface="나눔고딕" pitchFamily="50" charset="-127"/>
               </a:rPr>
               <a:pPr algn="r"/>
-              <a:t>22</a:t>
+              <a:t>23</a:t>
             </a:fld>
             <a:r>
               <a:rPr lang="en-US" altLang="ko-KR" sz="800" spc="-30" dirty="0">
@@ -19924,7 +21866,7 @@
                 <a:latin typeface="나눔고딕" pitchFamily="50" charset="-127"/>
                 <a:ea typeface="나눔고딕" pitchFamily="50" charset="-127"/>
               </a:rPr>
-              <a:t> / 25</a:t>
+              <a:t> / 26</a:t>
             </a:r>
           </a:p>
         </p:txBody>
@@ -20285,7 +22227,7 @@
 </p:sld>
 </file>
 
-<file path=ppt/slides/slide23.xml><?xml version="1.0" encoding="utf-8"?>
+<file path=ppt/slides/slide24.xml><?xml version="1.0" encoding="utf-8"?>
 <p:sld xmlns:a="http://schemas.openxmlformats.org/drawingml/2006/main" xmlns:r="http://schemas.openxmlformats.org/officeDocument/2006/relationships" xmlns:p="http://schemas.openxmlformats.org/presentationml/2006/main">
   <p:cSld>
     <p:spTree>
@@ -22918,7 +24860,7 @@
                 <a:ea typeface="나눔고딕" pitchFamily="50" charset="-127"/>
               </a:rPr>
               <a:pPr algn="r"/>
-              <a:t>23</a:t>
+              <a:t>24</a:t>
             </a:fld>
             <a:r>
               <a:rPr lang="en-US" altLang="ko-KR" sz="800" spc="-30" dirty="0">
@@ -22931,7 +24873,7 @@
                 <a:latin typeface="나눔고딕" pitchFamily="50" charset="-127"/>
                 <a:ea typeface="나눔고딕" pitchFamily="50" charset="-127"/>
               </a:rPr>
-              <a:t> / 25</a:t>
+              <a:t> / 26</a:t>
             </a:r>
           </a:p>
         </p:txBody>
@@ -22995,7 +24937,7 @@
 </p:sld>
 </file>
 
-<file path=ppt/slides/slide24.xml><?xml version="1.0" encoding="utf-8"?>
+<file path=ppt/slides/slide25.xml><?xml version="1.0" encoding="utf-8"?>
 <p:sld xmlns:a="http://schemas.openxmlformats.org/drawingml/2006/main" xmlns:r="http://schemas.openxmlformats.org/officeDocument/2006/relationships" xmlns:p="http://schemas.openxmlformats.org/presentationml/2006/main">
   <p:cSld>
     <p:spTree>
@@ -23237,7 +25179,7 @@
                 <a:ea typeface="나눔고딕" pitchFamily="50" charset="-127"/>
               </a:rPr>
               <a:pPr algn="r"/>
-              <a:t>24</a:t>
+              <a:t>25</a:t>
             </a:fld>
             <a:r>
               <a:rPr lang="en-US" altLang="ko-KR" sz="800" spc="-30" dirty="0">
@@ -23250,7 +25192,7 @@
                 <a:latin typeface="나눔고딕" pitchFamily="50" charset="-127"/>
                 <a:ea typeface="나눔고딕" pitchFamily="50" charset="-127"/>
               </a:rPr>
-              <a:t> / 25</a:t>
+              <a:t> / 26</a:t>
             </a:r>
           </a:p>
         </p:txBody>
@@ -23530,7 +25472,7 @@
 </p:sld>
 </file>
 
-<file path=ppt/slides/slide25.xml><?xml version="1.0" encoding="utf-8"?>
+<file path=ppt/slides/slide26.xml><?xml version="1.0" encoding="utf-8"?>
 <p:sld xmlns:a="http://schemas.openxmlformats.org/drawingml/2006/main" xmlns:r="http://schemas.openxmlformats.org/officeDocument/2006/relationships" xmlns:p="http://schemas.openxmlformats.org/presentationml/2006/main">
   <p:cSld>
     <p:spTree>
@@ -23870,7 +25812,7 @@
                 <a:latin typeface="나눔고딕" pitchFamily="50" charset="-127"/>
                 <a:ea typeface="나눔고딕" pitchFamily="50" charset="-127"/>
               </a:rPr>
-              <a:t> / 25</a:t>
+              <a:t> / 26</a:t>
             </a:r>
           </a:p>
         </p:txBody>
@@ -24066,8 +26008,8 @@
         </p:nvSpPr>
         <p:spPr>
           <a:xfrm>
-            <a:off x="457200" y="2312579"/>
-            <a:ext cx="7804298" cy="3790505"/>
+            <a:off x="457199" y="2312579"/>
+            <a:ext cx="7878727" cy="3790505"/>
           </a:xfrm>
         </p:spPr>
         <p:txBody>
@@ -24313,21 +26255,33 @@
                 <a:latin typeface="+mn-ea"/>
                 <a:ea typeface="+mn-ea"/>
               </a:rPr>
-              <a:t>집주인이 반응하지 않는 경우 지인이나 가족에게 메일이나 알림을 보낸다</a:t>
+              <a:t>집주인이 반응하지 않는 경우 지인이나 가족에게 푸시 알림을 보낸다</a:t>
             </a:r>
             <a:r>
               <a:rPr lang="en-US" altLang="ko-KR" sz="1600" dirty="0">
                 <a:latin typeface="+mn-ea"/>
                 <a:ea typeface="+mn-ea"/>
               </a:rPr>
-              <a:t>. –&gt;</a:t>
+              <a:t>.</a:t>
+            </a:r>
+          </a:p>
+          <a:p>
+            <a:pPr marL="857250" lvl="2" indent="0">
+              <a:buNone/>
+            </a:pPr>
+            <a:r>
+              <a:rPr lang="en-US" altLang="ko-KR" sz="1600" dirty="0">
+                <a:latin typeface="+mn-ea"/>
+                <a:ea typeface="+mn-ea"/>
+              </a:rPr>
+              <a:t>–&gt; </a:t>
             </a:r>
             <a:r>
               <a:rPr lang="en-US" altLang="ko-KR" sz="1600" dirty="0" err="1">
                 <a:latin typeface="+mn-ea"/>
                 <a:ea typeface="+mn-ea"/>
               </a:rPr>
-              <a:t>sendEmail</a:t>
+              <a:t>nextPush</a:t>
             </a:r>
             <a:r>
               <a:rPr lang="en-US" altLang="ko-KR" sz="1600" dirty="0">
@@ -24693,7 +26647,7 @@
                 <a:latin typeface="나눔고딕" pitchFamily="50" charset="-127"/>
                 <a:ea typeface="나눔고딕" pitchFamily="50" charset="-127"/>
               </a:rPr>
-              <a:t> / 25</a:t>
+              <a:t> / 26</a:t>
             </a:r>
           </a:p>
         </p:txBody>
@@ -25390,7 +27344,7 @@
                 <a:latin typeface="나눔고딕" pitchFamily="50" charset="-127"/>
                 <a:ea typeface="나눔고딕" pitchFamily="50" charset="-127"/>
               </a:rPr>
-              <a:t> / 25</a:t>
+              <a:t> / 26</a:t>
             </a:r>
           </a:p>
         </p:txBody>
@@ -26227,7 +28181,7 @@
                 <a:latin typeface="나눔고딕" pitchFamily="50" charset="-127"/>
                 <a:ea typeface="나눔고딕" pitchFamily="50" charset="-127"/>
               </a:rPr>
-              <a:t> / 25</a:t>
+              <a:t> / 26</a:t>
             </a:r>
           </a:p>
         </p:txBody>
@@ -26967,7 +28921,7 @@
                 <a:latin typeface="나눔고딕" pitchFamily="50" charset="-127"/>
                 <a:ea typeface="나눔고딕" pitchFamily="50" charset="-127"/>
               </a:rPr>
-              <a:t> / 25</a:t>
+              <a:t> / 26</a:t>
             </a:r>
           </a:p>
         </p:txBody>
@@ -27591,7 +29545,7 @@
                 <a:latin typeface="나눔고딕" pitchFamily="50" charset="-127"/>
                 <a:ea typeface="나눔고딕" pitchFamily="50" charset="-127"/>
               </a:rPr>
-              <a:t> / 25</a:t>
+              <a:t> / 26</a:t>
             </a:r>
           </a:p>
         </p:txBody>
@@ -29867,7 +31821,7 @@
                 <a:latin typeface="나눔고딕" pitchFamily="50" charset="-127"/>
                 <a:ea typeface="나눔고딕" pitchFamily="50" charset="-127"/>
               </a:rPr>
-              <a:t> / 25</a:t>
+              <a:t> / 26</a:t>
             </a:r>
           </a:p>
         </p:txBody>
